--- a/SAPHana-Neueste überarbeitet.pptx
+++ b/SAPHana-Neueste überarbeitet.pptx
@@ -299,7 +299,7 @@
 </file>
 
 <file path=ppt/charts/chart1.xml><?xml version="1.0" encoding="utf-8"?>
-<c:chartSpace xmlns:c="http://schemas.openxmlformats.org/drawingml/2006/chart" xmlns:a="http://schemas.openxmlformats.org/drawingml/2006/main" xmlns:r="http://schemas.openxmlformats.org/officeDocument/2006/relationships">
+<c:chartSpace xmlns:c="http://schemas.openxmlformats.org/drawingml/2006/chart" xmlns:a="http://schemas.openxmlformats.org/drawingml/2006/main" xmlns:r="http://schemas.openxmlformats.org/officeDocument/2006/relationships" xmlns:c16r2="http://schemas.microsoft.com/office/drawing/2015/06/chart">
   <c:date1904 val="0"/>
   <c:lang val="de-DE"/>
   <c:roundedCorners val="0"/>
@@ -312,62 +312,7 @@
     </mc:Fallback>
   </mc:AlternateContent>
   <c:chart>
-    <c:title>
-      <c:tx>
-        <c:rich>
-          <a:bodyPr rot="0" spcFirstLastPara="1" vertOverflow="ellipsis" vert="horz" wrap="square" anchor="ctr" anchorCtr="1"/>
-          <a:lstStyle/>
-          <a:p>
-            <a:pPr>
-              <a:defRPr sz="1400" b="0" i="0" u="none" strike="noStrike" kern="1200" spc="0" baseline="0">
-                <a:solidFill>
-                  <a:schemeClr val="tx1">
-                    <a:lumMod val="65000"/>
-                    <a:lumOff val="35000"/>
-                  </a:schemeClr>
-                </a:solidFill>
-                <a:latin typeface="+mn-lt"/>
-                <a:ea typeface="+mn-ea"/>
-                <a:cs typeface="+mn-cs"/>
-              </a:defRPr>
-            </a:pPr>
-            <a:r>
-              <a:rPr lang="de-DE"/>
-              <a:t>Abfrage 6</a:t>
-            </a:r>
-          </a:p>
-        </c:rich>
-      </c:tx>
-      <c:overlay val="0"/>
-      <c:spPr>
-        <a:noFill/>
-        <a:ln>
-          <a:noFill/>
-        </a:ln>
-        <a:effectLst/>
-      </c:spPr>
-      <c:txPr>
-        <a:bodyPr rot="0" spcFirstLastPara="1" vertOverflow="ellipsis" vert="horz" wrap="square" anchor="ctr" anchorCtr="1"/>
-        <a:lstStyle/>
-        <a:p>
-          <a:pPr>
-            <a:defRPr sz="1400" b="0" i="0" u="none" strike="noStrike" kern="1200" spc="0" baseline="0">
-              <a:solidFill>
-                <a:schemeClr val="tx1">
-                  <a:lumMod val="65000"/>
-                  <a:lumOff val="35000"/>
-                </a:schemeClr>
-              </a:solidFill>
-              <a:latin typeface="+mn-lt"/>
-              <a:ea typeface="+mn-ea"/>
-              <a:cs typeface="+mn-cs"/>
-            </a:defRPr>
-          </a:pPr>
-          <a:endParaRPr lang="de-DE"/>
-        </a:p>
-      </c:txPr>
-    </c:title>
-    <c:autoTitleDeleted val="0"/>
+    <c:autoTitleDeleted val="1"/>
     <c:plotArea>
       <c:layout/>
       <c:lineChart>
@@ -431,6 +376,11 @@
             </c:numRef>
           </c:val>
           <c:smooth val="0"/>
+          <c:extLst>
+            <c:ext xmlns:c16="http://schemas.microsoft.com/office/drawing/2014/chart" uri="{C3380CC4-5D6E-409C-BE32-E72D297353CC}">
+              <c16:uniqueId val="{00000000-B426-43EB-8402-6B233FD66104}"/>
+            </c:ext>
+          </c:extLst>
         </c:ser>
         <c:ser>
           <c:idx val="1"/>
@@ -490,6 +440,11 @@
             </c:numRef>
           </c:val>
           <c:smooth val="0"/>
+          <c:extLst>
+            <c:ext xmlns:c16="http://schemas.microsoft.com/office/drawing/2014/chart" uri="{C3380CC4-5D6E-409C-BE32-E72D297353CC}">
+              <c16:uniqueId val="{00000001-B426-43EB-8402-6B233FD66104}"/>
+            </c:ext>
+          </c:extLst>
         </c:ser>
         <c:dLbls>
           <c:showLegendKey val="0"/>
@@ -536,6 +491,7 @@
               </a:p>
             </c:rich>
           </c:tx>
+          <c:layout/>
           <c:overlay val="0"/>
           <c:spPr>
             <a:noFill/>
@@ -656,6 +612,7 @@
               </a:p>
             </c:rich>
           </c:tx>
+          <c:layout/>
           <c:overlay val="0"/>
           <c:spPr>
             <a:noFill/>
@@ -730,6 +687,7 @@
     </c:plotArea>
     <c:legend>
       <c:legendPos val="r"/>
+      <c:layout/>
       <c:overlay val="0"/>
       <c:spPr>
         <a:noFill/>
@@ -787,7 +745,7 @@
 </file>
 
 <file path=ppt/charts/chart2.xml><?xml version="1.0" encoding="utf-8"?>
-<c:chartSpace xmlns:c="http://schemas.openxmlformats.org/drawingml/2006/chart" xmlns:a="http://schemas.openxmlformats.org/drawingml/2006/main" xmlns:r="http://schemas.openxmlformats.org/officeDocument/2006/relationships">
+<c:chartSpace xmlns:c="http://schemas.openxmlformats.org/drawingml/2006/chart" xmlns:a="http://schemas.openxmlformats.org/drawingml/2006/main" xmlns:r="http://schemas.openxmlformats.org/officeDocument/2006/relationships" xmlns:c16r2="http://schemas.microsoft.com/office/drawing/2015/06/chart">
   <c:date1904 val="0"/>
   <c:lang val="de-DE"/>
   <c:roundedCorners val="0"/>
@@ -800,70 +758,7 @@
     </mc:Fallback>
   </mc:AlternateContent>
   <c:chart>
-    <c:title>
-      <c:tx>
-        <c:rich>
-          <a:bodyPr rot="0" spcFirstLastPara="1" vertOverflow="ellipsis" vert="horz" wrap="square" anchor="ctr" anchorCtr="1"/>
-          <a:lstStyle/>
-          <a:p>
-            <a:pPr>
-              <a:defRPr sz="1400" b="0" i="0" u="none" strike="noStrike" kern="1200" spc="0" baseline="0">
-                <a:solidFill>
-                  <a:schemeClr val="tx1">
-                    <a:lumMod val="65000"/>
-                    <a:lumOff val="35000"/>
-                  </a:schemeClr>
-                </a:solidFill>
-                <a:latin typeface="+mn-lt"/>
-                <a:ea typeface="+mn-ea"/>
-                <a:cs typeface="+mn-cs"/>
-              </a:defRPr>
-            </a:pPr>
-            <a:r>
-              <a:rPr lang="de-DE"/>
-              <a:t>Abfrage 3</a:t>
-            </a:r>
-          </a:p>
-        </c:rich>
-      </c:tx>
-      <c:layout>
-        <c:manualLayout>
-          <c:xMode val="edge"/>
-          <c:yMode val="edge"/>
-          <c:x val="0.37876377952755913"/>
-          <c:y val="2.7777777777777776E-2"/>
-        </c:manualLayout>
-      </c:layout>
-      <c:overlay val="0"/>
-      <c:spPr>
-        <a:noFill/>
-        <a:ln>
-          <a:noFill/>
-        </a:ln>
-        <a:effectLst/>
-      </c:spPr>
-      <c:txPr>
-        <a:bodyPr rot="0" spcFirstLastPara="1" vertOverflow="ellipsis" vert="horz" wrap="square" anchor="ctr" anchorCtr="1"/>
-        <a:lstStyle/>
-        <a:p>
-          <a:pPr>
-            <a:defRPr sz="1400" b="0" i="0" u="none" strike="noStrike" kern="1200" spc="0" baseline="0">
-              <a:solidFill>
-                <a:schemeClr val="tx1">
-                  <a:lumMod val="65000"/>
-                  <a:lumOff val="35000"/>
-                </a:schemeClr>
-              </a:solidFill>
-              <a:latin typeface="+mn-lt"/>
-              <a:ea typeface="+mn-ea"/>
-              <a:cs typeface="+mn-cs"/>
-            </a:defRPr>
-          </a:pPr>
-          <a:endParaRPr lang="de-DE"/>
-        </a:p>
-      </c:txPr>
-    </c:title>
-    <c:autoTitleDeleted val="0"/>
+    <c:autoTitleDeleted val="1"/>
     <c:plotArea>
       <c:layout/>
       <c:lineChart>
@@ -927,6 +822,11 @@
             </c:numRef>
           </c:val>
           <c:smooth val="0"/>
+          <c:extLst>
+            <c:ext xmlns:c16="http://schemas.microsoft.com/office/drawing/2014/chart" uri="{C3380CC4-5D6E-409C-BE32-E72D297353CC}">
+              <c16:uniqueId val="{00000000-8F3F-4CDA-9BEF-FB007C7EFEAD}"/>
+            </c:ext>
+          </c:extLst>
         </c:ser>
         <c:ser>
           <c:idx val="1"/>
@@ -983,6 +883,11 @@
             </c:numRef>
           </c:val>
           <c:smooth val="0"/>
+          <c:extLst>
+            <c:ext xmlns:c16="http://schemas.microsoft.com/office/drawing/2014/chart" uri="{C3380CC4-5D6E-409C-BE32-E72D297353CC}">
+              <c16:uniqueId val="{00000001-8F3F-4CDA-9BEF-FB007C7EFEAD}"/>
+            </c:ext>
+          </c:extLst>
         </c:ser>
         <c:dLbls>
           <c:showLegendKey val="0"/>
@@ -1157,6 +1062,7 @@
               </a:p>
             </c:rich>
           </c:tx>
+          <c:layout/>
           <c:overlay val="0"/>
           <c:spPr>
             <a:noFill/>
@@ -1231,6 +1137,7 @@
     </c:plotArea>
     <c:legend>
       <c:legendPos val="r"/>
+      <c:layout/>
       <c:overlay val="0"/>
       <c:spPr>
         <a:noFill/>
@@ -5886,6 +5793,580 @@
       <dsp:cNvGrpSpPr/>
     </dsp:nvGrpSpPr>
     <dsp:grpSpPr/>
+    <dsp:sp modelId="{9EBB3C68-6483-4B13-A6E1-94A2909DE4F8}">
+      <dsp:nvSpPr>
+        <dsp:cNvPr id="0" name=""/>
+        <dsp:cNvSpPr/>
+      </dsp:nvSpPr>
+      <dsp:spPr>
+        <a:xfrm>
+          <a:off x="1253907" y="1772581"/>
+          <a:ext cx="2289619" cy="752694"/>
+        </a:xfrm>
+        <a:prstGeom prst="rect">
+          <a:avLst/>
+        </a:prstGeom>
+        <a:solidFill>
+          <a:schemeClr val="accent1">
+            <a:hueOff val="0"/>
+            <a:satOff val="0"/>
+            <a:lumOff val="0"/>
+            <a:alphaOff val="0"/>
+          </a:schemeClr>
+        </a:solidFill>
+        <a:ln w="25400" cap="flat" cmpd="sng" algn="ctr">
+          <a:solidFill>
+            <a:schemeClr val="lt1">
+              <a:hueOff val="0"/>
+              <a:satOff val="0"/>
+              <a:lumOff val="0"/>
+              <a:alphaOff val="0"/>
+            </a:schemeClr>
+          </a:solidFill>
+          <a:prstDash val="solid"/>
+        </a:ln>
+        <a:effectLst/>
+      </dsp:spPr>
+      <dsp:style>
+        <a:lnRef idx="2">
+          <a:scrgbClr r="0" g="0" b="0"/>
+        </a:lnRef>
+        <a:fillRef idx="1">
+          <a:scrgbClr r="0" g="0" b="0"/>
+        </a:fillRef>
+        <a:effectRef idx="0">
+          <a:scrgbClr r="0" g="0" b="0"/>
+        </a:effectRef>
+        <a:fontRef idx="minor">
+          <a:schemeClr val="lt1"/>
+        </a:fontRef>
+      </dsp:style>
+      <dsp:txBody>
+        <a:bodyPr spcFirstLastPara="0" vert="horz" wrap="square" lIns="57150" tIns="57150" rIns="57150" bIns="57150" numCol="1" spcCol="1270" anchor="ctr" anchorCtr="0">
+          <a:noAutofit/>
+        </a:bodyPr>
+        <a:lstStyle/>
+        <a:p>
+          <a:pPr lvl="0" algn="ctr" defTabSz="666750">
+            <a:lnSpc>
+              <a:spcPct val="90000"/>
+            </a:lnSpc>
+            <a:spcBef>
+              <a:spcPct val="0"/>
+            </a:spcBef>
+            <a:spcAft>
+              <a:spcPct val="35000"/>
+            </a:spcAft>
+          </a:pPr>
+          <a:r>
+            <a:rPr lang="de-DE" sz="1500" kern="1200" dirty="0" smtClean="0"/>
+            <a:t>Key-Value Datenbanken </a:t>
+          </a:r>
+          <a:endParaRPr lang="de-DE" sz="1500" kern="1200" dirty="0"/>
+        </a:p>
+      </dsp:txBody>
+      <dsp:txXfrm>
+        <a:off x="1253907" y="1772581"/>
+        <a:ext cx="2289619" cy="752694"/>
+      </dsp:txXfrm>
+    </dsp:sp>
+    <dsp:sp modelId="{FA9E3985-8EF5-45AC-B4DA-EC764446F3B0}">
+      <dsp:nvSpPr>
+        <dsp:cNvPr id="0" name=""/>
+        <dsp:cNvSpPr/>
+      </dsp:nvSpPr>
+      <dsp:spPr>
+        <a:xfrm>
+          <a:off x="3558139" y="1772581"/>
+          <a:ext cx="2289619" cy="752694"/>
+        </a:xfrm>
+        <a:prstGeom prst="rect">
+          <a:avLst/>
+        </a:prstGeom>
+        <a:solidFill>
+          <a:schemeClr val="accent1">
+            <a:hueOff val="0"/>
+            <a:satOff val="0"/>
+            <a:lumOff val="0"/>
+            <a:alphaOff val="0"/>
+          </a:schemeClr>
+        </a:solidFill>
+        <a:ln w="25400" cap="flat" cmpd="sng" algn="ctr">
+          <a:solidFill>
+            <a:schemeClr val="lt1">
+              <a:hueOff val="0"/>
+              <a:satOff val="0"/>
+              <a:lumOff val="0"/>
+              <a:alphaOff val="0"/>
+            </a:schemeClr>
+          </a:solidFill>
+          <a:prstDash val="solid"/>
+        </a:ln>
+        <a:effectLst/>
+      </dsp:spPr>
+      <dsp:style>
+        <a:lnRef idx="2">
+          <a:scrgbClr r="0" g="0" b="0"/>
+        </a:lnRef>
+        <a:fillRef idx="1">
+          <a:scrgbClr r="0" g="0" b="0"/>
+        </a:fillRef>
+        <a:effectRef idx="0">
+          <a:scrgbClr r="0" g="0" b="0"/>
+        </a:effectRef>
+        <a:fontRef idx="minor">
+          <a:schemeClr val="lt1"/>
+        </a:fontRef>
+      </dsp:style>
+      <dsp:txBody>
+        <a:bodyPr spcFirstLastPara="0" vert="horz" wrap="square" lIns="57150" tIns="57150" rIns="57150" bIns="57150" numCol="1" spcCol="1270" anchor="ctr" anchorCtr="0">
+          <a:noAutofit/>
+        </a:bodyPr>
+        <a:lstStyle/>
+        <a:p>
+          <a:pPr lvl="0" algn="ctr" defTabSz="666750">
+            <a:lnSpc>
+              <a:spcPct val="90000"/>
+            </a:lnSpc>
+            <a:spcBef>
+              <a:spcPct val="0"/>
+            </a:spcBef>
+            <a:spcAft>
+              <a:spcPct val="35000"/>
+            </a:spcAft>
+          </a:pPr>
+          <a:r>
+            <a:rPr lang="de-DE" sz="1500" kern="1200" dirty="0" smtClean="0"/>
+            <a:t>Graphen-</a:t>
+          </a:r>
+        </a:p>
+        <a:p>
+          <a:pPr lvl="0" algn="ctr" defTabSz="666750">
+            <a:lnSpc>
+              <a:spcPct val="90000"/>
+            </a:lnSpc>
+            <a:spcBef>
+              <a:spcPct val="0"/>
+            </a:spcBef>
+            <a:spcAft>
+              <a:spcPct val="35000"/>
+            </a:spcAft>
+          </a:pPr>
+          <a:r>
+            <a:rPr lang="de-DE" sz="1500" kern="1200" dirty="0" err="1" smtClean="0"/>
+            <a:t>datenbanken</a:t>
+          </a:r>
+          <a:endParaRPr lang="de-DE" sz="1500" kern="1200" dirty="0"/>
+        </a:p>
+      </dsp:txBody>
+      <dsp:txXfrm>
+        <a:off x="3558139" y="1772581"/>
+        <a:ext cx="2289619" cy="752694"/>
+      </dsp:txXfrm>
+    </dsp:sp>
+    <dsp:sp modelId="{2D7DC744-3DDE-406A-AE5E-3335AB5F6F66}">
+      <dsp:nvSpPr>
+        <dsp:cNvPr id="0" name=""/>
+        <dsp:cNvSpPr/>
+      </dsp:nvSpPr>
+      <dsp:spPr>
+        <a:xfrm>
+          <a:off x="3558139" y="2521295"/>
+          <a:ext cx="2289619" cy="752694"/>
+        </a:xfrm>
+        <a:prstGeom prst="rect">
+          <a:avLst/>
+        </a:prstGeom>
+        <a:solidFill>
+          <a:schemeClr val="accent1">
+            <a:lumMod val="50000"/>
+          </a:schemeClr>
+        </a:solidFill>
+        <a:ln w="25400" cap="flat" cmpd="sng" algn="ctr">
+          <a:solidFill>
+            <a:schemeClr val="lt1">
+              <a:hueOff val="0"/>
+              <a:satOff val="0"/>
+              <a:lumOff val="0"/>
+              <a:alphaOff val="0"/>
+            </a:schemeClr>
+          </a:solidFill>
+          <a:prstDash val="solid"/>
+        </a:ln>
+        <a:effectLst/>
+      </dsp:spPr>
+      <dsp:style>
+        <a:lnRef idx="2">
+          <a:scrgbClr r="0" g="0" b="0"/>
+        </a:lnRef>
+        <a:fillRef idx="1">
+          <a:scrgbClr r="0" g="0" b="0"/>
+        </a:fillRef>
+        <a:effectRef idx="0">
+          <a:scrgbClr r="0" g="0" b="0"/>
+        </a:effectRef>
+        <a:fontRef idx="minor">
+          <a:schemeClr val="lt1"/>
+        </a:fontRef>
+      </dsp:style>
+      <dsp:txBody>
+        <a:bodyPr spcFirstLastPara="0" vert="horz" wrap="square" lIns="57150" tIns="57150" rIns="57150" bIns="57150" numCol="1" spcCol="1270" anchor="ctr" anchorCtr="0">
+          <a:noAutofit/>
+        </a:bodyPr>
+        <a:lstStyle/>
+        <a:p>
+          <a:pPr lvl="0" algn="ctr" defTabSz="666750">
+            <a:lnSpc>
+              <a:spcPct val="90000"/>
+            </a:lnSpc>
+            <a:spcBef>
+              <a:spcPct val="0"/>
+            </a:spcBef>
+            <a:spcAft>
+              <a:spcPct val="35000"/>
+            </a:spcAft>
+          </a:pPr>
+          <a:r>
+            <a:rPr lang="de-DE" sz="1500" kern="1200" dirty="0" smtClean="0"/>
+            <a:t>Spaltenorientierte</a:t>
+          </a:r>
+        </a:p>
+        <a:p>
+          <a:pPr lvl="0" algn="ctr" defTabSz="666750">
+            <a:lnSpc>
+              <a:spcPct val="90000"/>
+            </a:lnSpc>
+            <a:spcBef>
+              <a:spcPct val="0"/>
+            </a:spcBef>
+            <a:spcAft>
+              <a:spcPct val="35000"/>
+            </a:spcAft>
+          </a:pPr>
+          <a:r>
+            <a:rPr lang="de-DE" sz="1500" kern="1200" dirty="0" smtClean="0"/>
+            <a:t>Datenbanken</a:t>
+          </a:r>
+          <a:endParaRPr lang="de-DE" sz="1500" kern="1200" dirty="0"/>
+        </a:p>
+      </dsp:txBody>
+      <dsp:txXfrm>
+        <a:off x="3558139" y="2521295"/>
+        <a:ext cx="2289619" cy="752694"/>
+      </dsp:txXfrm>
+    </dsp:sp>
+    <dsp:sp modelId="{3EC38514-2F4C-4217-A939-F1BC038C4D62}">
+      <dsp:nvSpPr>
+        <dsp:cNvPr id="0" name=""/>
+        <dsp:cNvSpPr/>
+      </dsp:nvSpPr>
+      <dsp:spPr>
+        <a:xfrm>
+          <a:off x="1253907" y="2521278"/>
+          <a:ext cx="2289619" cy="752694"/>
+        </a:xfrm>
+        <a:prstGeom prst="rect">
+          <a:avLst/>
+        </a:prstGeom>
+        <a:solidFill>
+          <a:schemeClr val="accent1">
+            <a:hueOff val="0"/>
+            <a:satOff val="0"/>
+            <a:lumOff val="0"/>
+            <a:alphaOff val="0"/>
+          </a:schemeClr>
+        </a:solidFill>
+        <a:ln w="25400" cap="flat" cmpd="sng" algn="ctr">
+          <a:solidFill>
+            <a:schemeClr val="lt1">
+              <a:hueOff val="0"/>
+              <a:satOff val="0"/>
+              <a:lumOff val="0"/>
+              <a:alphaOff val="0"/>
+            </a:schemeClr>
+          </a:solidFill>
+          <a:prstDash val="solid"/>
+        </a:ln>
+        <a:effectLst/>
+      </dsp:spPr>
+      <dsp:style>
+        <a:lnRef idx="2">
+          <a:scrgbClr r="0" g="0" b="0"/>
+        </a:lnRef>
+        <a:fillRef idx="1">
+          <a:scrgbClr r="0" g="0" b="0"/>
+        </a:fillRef>
+        <a:effectRef idx="0">
+          <a:scrgbClr r="0" g="0" b="0"/>
+        </a:effectRef>
+        <a:fontRef idx="minor">
+          <a:schemeClr val="lt1"/>
+        </a:fontRef>
+      </dsp:style>
+      <dsp:txBody>
+        <a:bodyPr spcFirstLastPara="0" vert="horz" wrap="square" lIns="57150" tIns="57150" rIns="57150" bIns="57150" numCol="1" spcCol="1270" anchor="ctr" anchorCtr="0">
+          <a:noAutofit/>
+        </a:bodyPr>
+        <a:lstStyle/>
+        <a:p>
+          <a:pPr lvl="0" algn="ctr" defTabSz="666750">
+            <a:lnSpc>
+              <a:spcPct val="90000"/>
+            </a:lnSpc>
+            <a:spcBef>
+              <a:spcPct val="0"/>
+            </a:spcBef>
+            <a:spcAft>
+              <a:spcPct val="35000"/>
+            </a:spcAft>
+          </a:pPr>
+          <a:r>
+            <a:rPr lang="de-DE" sz="1500" kern="1200" dirty="0" smtClean="0"/>
+            <a:t>Dokumentenorientierte Datenbanken</a:t>
+          </a:r>
+          <a:endParaRPr lang="de-DE" sz="1500" kern="1200" dirty="0"/>
+        </a:p>
+      </dsp:txBody>
+      <dsp:txXfrm>
+        <a:off x="1253907" y="2521278"/>
+        <a:ext cx="2289619" cy="752694"/>
+      </dsp:txXfrm>
+    </dsp:sp>
+    <dsp:sp modelId="{3BAC4E9F-BFED-44C4-AFC9-A27B3F8AEA9C}">
+      <dsp:nvSpPr>
+        <dsp:cNvPr id="0" name=""/>
+        <dsp:cNvSpPr/>
+      </dsp:nvSpPr>
+      <dsp:spPr>
+        <a:xfrm>
+          <a:off x="3054156" y="4644974"/>
+          <a:ext cx="1813067" cy="470689"/>
+        </a:xfrm>
+        <a:prstGeom prst="rect">
+          <a:avLst/>
+        </a:prstGeom>
+        <a:solidFill>
+          <a:schemeClr val="accent1">
+            <a:hueOff val="0"/>
+            <a:satOff val="0"/>
+            <a:lumOff val="0"/>
+            <a:alphaOff val="0"/>
+          </a:schemeClr>
+        </a:solidFill>
+        <a:ln w="25400" cap="flat" cmpd="sng" algn="ctr">
+          <a:solidFill>
+            <a:schemeClr val="lt1">
+              <a:hueOff val="0"/>
+              <a:satOff val="0"/>
+              <a:lumOff val="0"/>
+              <a:alphaOff val="0"/>
+            </a:schemeClr>
+          </a:solidFill>
+          <a:prstDash val="solid"/>
+        </a:ln>
+        <a:effectLst/>
+      </dsp:spPr>
+      <dsp:style>
+        <a:lnRef idx="2">
+          <a:scrgbClr r="0" g="0" b="0"/>
+        </a:lnRef>
+        <a:fillRef idx="1">
+          <a:scrgbClr r="0" g="0" b="0"/>
+        </a:fillRef>
+        <a:effectRef idx="0">
+          <a:scrgbClr r="0" g="0" b="0"/>
+        </a:effectRef>
+        <a:fontRef idx="minor">
+          <a:schemeClr val="lt1"/>
+        </a:fontRef>
+      </dsp:style>
+      <dsp:txBody>
+        <a:bodyPr spcFirstLastPara="0" vert="horz" wrap="square" lIns="57150" tIns="57150" rIns="57150" bIns="57150" numCol="1" spcCol="1270" anchor="ctr" anchorCtr="0">
+          <a:noAutofit/>
+        </a:bodyPr>
+        <a:lstStyle/>
+        <a:p>
+          <a:pPr lvl="0" algn="ctr" defTabSz="666750">
+            <a:lnSpc>
+              <a:spcPct val="90000"/>
+            </a:lnSpc>
+            <a:spcBef>
+              <a:spcPct val="0"/>
+            </a:spcBef>
+            <a:spcAft>
+              <a:spcPct val="35000"/>
+            </a:spcAft>
+          </a:pPr>
+          <a:r>
+            <a:rPr lang="de-DE" sz="1500" kern="1200" dirty="0" err="1" smtClean="0"/>
+            <a:t>BigData</a:t>
+          </a:r>
+          <a:endParaRPr lang="de-DE" sz="1500" kern="1200" dirty="0"/>
+        </a:p>
+      </dsp:txBody>
+      <dsp:txXfrm>
+        <a:off x="3054156" y="4644974"/>
+        <a:ext cx="1813067" cy="470689"/>
+      </dsp:txXfrm>
+    </dsp:sp>
+    <dsp:sp modelId="{BA93364A-C73F-47A1-982A-4A12CB07BC66}">
+      <dsp:nvSpPr>
+        <dsp:cNvPr id="0" name=""/>
+        <dsp:cNvSpPr/>
+      </dsp:nvSpPr>
+      <dsp:spPr>
+        <a:xfrm>
+          <a:off x="4926299" y="4644974"/>
+          <a:ext cx="1813067" cy="470689"/>
+        </a:xfrm>
+        <a:prstGeom prst="rect">
+          <a:avLst/>
+        </a:prstGeom>
+        <a:solidFill>
+          <a:schemeClr val="accent1">
+            <a:hueOff val="0"/>
+            <a:satOff val="0"/>
+            <a:lumOff val="0"/>
+            <a:alphaOff val="0"/>
+          </a:schemeClr>
+        </a:solidFill>
+        <a:ln w="25400" cap="flat" cmpd="sng" algn="ctr">
+          <a:solidFill>
+            <a:schemeClr val="lt1">
+              <a:hueOff val="0"/>
+              <a:satOff val="0"/>
+              <a:lumOff val="0"/>
+              <a:alphaOff val="0"/>
+            </a:schemeClr>
+          </a:solidFill>
+          <a:prstDash val="solid"/>
+        </a:ln>
+        <a:effectLst/>
+      </dsp:spPr>
+      <dsp:style>
+        <a:lnRef idx="2">
+          <a:scrgbClr r="0" g="0" b="0"/>
+        </a:lnRef>
+        <a:fillRef idx="1">
+          <a:scrgbClr r="0" g="0" b="0"/>
+        </a:fillRef>
+        <a:effectRef idx="0">
+          <a:scrgbClr r="0" g="0" b="0"/>
+        </a:effectRef>
+        <a:fontRef idx="minor">
+          <a:schemeClr val="lt1"/>
+        </a:fontRef>
+      </dsp:style>
+      <dsp:txBody>
+        <a:bodyPr spcFirstLastPara="0" vert="horz" wrap="square" lIns="57150" tIns="57150" rIns="57150" bIns="57150" numCol="1" spcCol="1270" anchor="ctr" anchorCtr="0">
+          <a:noAutofit/>
+        </a:bodyPr>
+        <a:lstStyle/>
+        <a:p>
+          <a:pPr lvl="0" algn="ctr" defTabSz="666750">
+            <a:lnSpc>
+              <a:spcPct val="90000"/>
+            </a:lnSpc>
+            <a:spcBef>
+              <a:spcPct val="0"/>
+            </a:spcBef>
+            <a:spcAft>
+              <a:spcPct val="35000"/>
+            </a:spcAft>
+          </a:pPr>
+          <a:r>
+            <a:rPr lang="de-DE" sz="1500" kern="1200" dirty="0" err="1" smtClean="0"/>
+            <a:t>IoT</a:t>
+          </a:r>
+          <a:endParaRPr lang="de-DE" sz="1500" kern="1200" dirty="0"/>
+        </a:p>
+      </dsp:txBody>
+      <dsp:txXfrm>
+        <a:off x="4926299" y="4644974"/>
+        <a:ext cx="1813067" cy="470689"/>
+      </dsp:txXfrm>
+    </dsp:sp>
+    <dsp:sp modelId="{E674FBAF-9744-4029-963A-CA5F3C6FE50E}">
+      <dsp:nvSpPr>
+        <dsp:cNvPr id="0" name=""/>
+        <dsp:cNvSpPr/>
+      </dsp:nvSpPr>
+      <dsp:spPr>
+        <a:xfrm>
+          <a:off x="1181922" y="4644983"/>
+          <a:ext cx="1813067" cy="470689"/>
+        </a:xfrm>
+        <a:prstGeom prst="rect">
+          <a:avLst/>
+        </a:prstGeom>
+        <a:solidFill>
+          <a:schemeClr val="accent1">
+            <a:hueOff val="0"/>
+            <a:satOff val="0"/>
+            <a:lumOff val="0"/>
+            <a:alphaOff val="0"/>
+          </a:schemeClr>
+        </a:solidFill>
+        <a:ln w="25400" cap="flat" cmpd="sng" algn="ctr">
+          <a:solidFill>
+            <a:schemeClr val="lt1">
+              <a:hueOff val="0"/>
+              <a:satOff val="0"/>
+              <a:lumOff val="0"/>
+              <a:alphaOff val="0"/>
+            </a:schemeClr>
+          </a:solidFill>
+          <a:prstDash val="solid"/>
+        </a:ln>
+        <a:effectLst/>
+      </dsp:spPr>
+      <dsp:style>
+        <a:lnRef idx="2">
+          <a:scrgbClr r="0" g="0" b="0"/>
+        </a:lnRef>
+        <a:fillRef idx="1">
+          <a:scrgbClr r="0" g="0" b="0"/>
+        </a:fillRef>
+        <a:effectRef idx="0">
+          <a:scrgbClr r="0" g="0" b="0"/>
+        </a:effectRef>
+        <a:fontRef idx="minor">
+          <a:schemeClr val="lt1"/>
+        </a:fontRef>
+      </dsp:style>
+      <dsp:txBody>
+        <a:bodyPr spcFirstLastPara="0" vert="horz" wrap="square" lIns="57150" tIns="57150" rIns="57150" bIns="57150" numCol="1" spcCol="1270" anchor="ctr" anchorCtr="0">
+          <a:noAutofit/>
+        </a:bodyPr>
+        <a:lstStyle/>
+        <a:p>
+          <a:pPr lvl="0" algn="ctr" defTabSz="666750">
+            <a:lnSpc>
+              <a:spcPct val="90000"/>
+            </a:lnSpc>
+            <a:spcBef>
+              <a:spcPct val="0"/>
+            </a:spcBef>
+            <a:spcAft>
+              <a:spcPct val="35000"/>
+            </a:spcAft>
+          </a:pPr>
+          <a:r>
+            <a:rPr lang="de-DE" sz="1500" kern="1200" dirty="0" smtClean="0"/>
+            <a:t>Mobile </a:t>
+          </a:r>
+          <a:r>
+            <a:rPr lang="de-DE" sz="1500" kern="1200" dirty="0" err="1" smtClean="0"/>
+            <a:t>Applications</a:t>
+          </a:r>
+          <a:endParaRPr lang="de-DE" sz="1500" kern="1200" dirty="0"/>
+        </a:p>
+      </dsp:txBody>
+      <dsp:txXfrm>
+        <a:off x="1181922" y="4644983"/>
+        <a:ext cx="1813067" cy="470689"/>
+      </dsp:txXfrm>
+    </dsp:sp>
   </dsp:spTree>
 </dsp:drawing>
 </file>
@@ -5898,6 +6379,235 @@
       <dsp:cNvGrpSpPr/>
     </dsp:nvGrpSpPr>
     <dsp:grpSpPr/>
+    <dsp:sp modelId="{7BD97A4F-7CD1-4DE9-AD30-0E4EBC1DE354}">
+      <dsp:nvSpPr>
+        <dsp:cNvPr id="0" name=""/>
+        <dsp:cNvSpPr/>
+      </dsp:nvSpPr>
+      <dsp:spPr>
+        <a:xfrm>
+          <a:off x="0" y="139089"/>
+          <a:ext cx="4632176" cy="936000"/>
+        </a:xfrm>
+        <a:prstGeom prst="rightArrow">
+          <a:avLst/>
+        </a:prstGeom>
+        <a:solidFill>
+          <a:schemeClr val="accent1">
+            <a:hueOff val="0"/>
+            <a:satOff val="0"/>
+            <a:lumOff val="0"/>
+            <a:alphaOff val="0"/>
+          </a:schemeClr>
+        </a:solidFill>
+        <a:ln w="25400" cap="flat" cmpd="sng" algn="ctr">
+          <a:solidFill>
+            <a:schemeClr val="lt1">
+              <a:hueOff val="0"/>
+              <a:satOff val="0"/>
+              <a:lumOff val="0"/>
+              <a:alphaOff val="0"/>
+            </a:schemeClr>
+          </a:solidFill>
+          <a:prstDash val="solid"/>
+        </a:ln>
+        <a:effectLst/>
+      </dsp:spPr>
+      <dsp:style>
+        <a:lnRef idx="2">
+          <a:scrgbClr r="0" g="0" b="0"/>
+        </a:lnRef>
+        <a:fillRef idx="1">
+          <a:scrgbClr r="0" g="0" b="0"/>
+        </a:fillRef>
+        <a:effectRef idx="0">
+          <a:scrgbClr r="0" g="0" b="0"/>
+        </a:effectRef>
+        <a:fontRef idx="minor">
+          <a:schemeClr val="lt1"/>
+        </a:fontRef>
+      </dsp:style>
+    </dsp:sp>
+    <dsp:sp modelId="{08D0F303-4ECD-4398-98CD-1CFF8D6A2603}">
+      <dsp:nvSpPr>
+        <dsp:cNvPr id="0" name=""/>
+        <dsp:cNvSpPr/>
+      </dsp:nvSpPr>
+      <dsp:spPr>
+        <a:xfrm>
+          <a:off x="3860834" y="325493"/>
+          <a:ext cx="469324" cy="468000"/>
+        </a:xfrm>
+        <a:prstGeom prst="rect">
+          <a:avLst/>
+        </a:prstGeom>
+        <a:noFill/>
+        <a:ln>
+          <a:noFill/>
+        </a:ln>
+        <a:effectLst/>
+      </dsp:spPr>
+      <dsp:style>
+        <a:lnRef idx="0">
+          <a:scrgbClr r="0" g="0" b="0"/>
+        </a:lnRef>
+        <a:fillRef idx="0">
+          <a:scrgbClr r="0" g="0" b="0"/>
+        </a:fillRef>
+        <a:effectRef idx="0">
+          <a:scrgbClr r="0" g="0" b="0"/>
+        </a:effectRef>
+        <a:fontRef idx="minor"/>
+      </dsp:style>
+      <dsp:txBody>
+        <a:bodyPr spcFirstLastPara="0" vert="horz" wrap="square" lIns="0" tIns="132080" rIns="0" bIns="132080" numCol="1" spcCol="1270" anchor="ctr" anchorCtr="0">
+          <a:noAutofit/>
+        </a:bodyPr>
+        <a:lstStyle/>
+        <a:p>
+          <a:pPr lvl="0" algn="ctr" defTabSz="577850">
+            <a:lnSpc>
+              <a:spcPct val="90000"/>
+            </a:lnSpc>
+            <a:spcBef>
+              <a:spcPct val="0"/>
+            </a:spcBef>
+            <a:spcAft>
+              <a:spcPct val="35000"/>
+            </a:spcAft>
+          </a:pPr>
+          <a:r>
+            <a:rPr lang="de-DE" sz="1300" kern="1200" dirty="0" smtClean="0"/>
+            <a:t> </a:t>
+          </a:r>
+          <a:endParaRPr lang="de-DE" sz="1300" kern="1200" dirty="0"/>
+        </a:p>
+      </dsp:txBody>
+      <dsp:txXfrm>
+        <a:off x="3860834" y="325493"/>
+        <a:ext cx="469324" cy="468000"/>
+      </dsp:txXfrm>
+    </dsp:sp>
+    <dsp:sp modelId="{BFBD2FA7-76BA-49E2-9606-34D44E80369C}">
+      <dsp:nvSpPr>
+        <dsp:cNvPr id="0" name=""/>
+        <dsp:cNvSpPr/>
+      </dsp:nvSpPr>
+      <dsp:spPr>
+        <a:xfrm>
+          <a:off x="938435" y="325493"/>
+          <a:ext cx="2828534" cy="557079"/>
+        </a:xfrm>
+        <a:prstGeom prst="rect">
+          <a:avLst/>
+        </a:prstGeom>
+        <a:noFill/>
+        <a:ln>
+          <a:noFill/>
+        </a:ln>
+        <a:effectLst/>
+      </dsp:spPr>
+      <dsp:style>
+        <a:lnRef idx="0">
+          <a:scrgbClr r="0" g="0" b="0"/>
+        </a:lnRef>
+        <a:fillRef idx="0">
+          <a:scrgbClr r="0" g="0" b="0"/>
+        </a:fillRef>
+        <a:effectRef idx="0">
+          <a:scrgbClr r="0" g="0" b="0"/>
+        </a:effectRef>
+        <a:fontRef idx="minor"/>
+      </dsp:style>
+      <dsp:txBody>
+        <a:bodyPr spcFirstLastPara="0" vert="horz" wrap="square" lIns="0" tIns="132080" rIns="0" bIns="132080" numCol="1" spcCol="1270" anchor="ctr" anchorCtr="0">
+          <a:noAutofit/>
+        </a:bodyPr>
+        <a:lstStyle/>
+        <a:p>
+          <a:pPr lvl="0" algn="ctr" defTabSz="577850">
+            <a:lnSpc>
+              <a:spcPct val="90000"/>
+            </a:lnSpc>
+            <a:spcBef>
+              <a:spcPct val="0"/>
+            </a:spcBef>
+            <a:spcAft>
+              <a:spcPct val="35000"/>
+            </a:spcAft>
+          </a:pPr>
+          <a:r>
+            <a:rPr lang="de-DE" sz="1300" kern="1200" dirty="0" smtClean="0"/>
+            <a:t>Performance-Gewinn bis 10% möglich</a:t>
+          </a:r>
+          <a:endParaRPr lang="de-DE" sz="1300" kern="1200" dirty="0"/>
+        </a:p>
+      </dsp:txBody>
+      <dsp:txXfrm>
+        <a:off x="938435" y="325493"/>
+        <a:ext cx="2828534" cy="557079"/>
+      </dsp:txXfrm>
+    </dsp:sp>
+    <dsp:sp modelId="{CAFB5F5E-9E1A-436A-94D3-7167FE988209}">
+      <dsp:nvSpPr>
+        <dsp:cNvPr id="0" name=""/>
+        <dsp:cNvSpPr/>
+      </dsp:nvSpPr>
+      <dsp:spPr>
+        <a:xfrm>
+          <a:off x="375246" y="325493"/>
+          <a:ext cx="469324" cy="468000"/>
+        </a:xfrm>
+        <a:prstGeom prst="rect">
+          <a:avLst/>
+        </a:prstGeom>
+        <a:noFill/>
+        <a:ln>
+          <a:noFill/>
+        </a:ln>
+        <a:effectLst/>
+      </dsp:spPr>
+      <dsp:style>
+        <a:lnRef idx="0">
+          <a:scrgbClr r="0" g="0" b="0"/>
+        </a:lnRef>
+        <a:fillRef idx="0">
+          <a:scrgbClr r="0" g="0" b="0"/>
+        </a:fillRef>
+        <a:effectRef idx="0">
+          <a:scrgbClr r="0" g="0" b="0"/>
+        </a:effectRef>
+        <a:fontRef idx="minor"/>
+      </dsp:style>
+      <dsp:txBody>
+        <a:bodyPr spcFirstLastPara="0" vert="horz" wrap="square" lIns="0" tIns="132080" rIns="0" bIns="132080" numCol="1" spcCol="1270" anchor="ctr" anchorCtr="0">
+          <a:noAutofit/>
+        </a:bodyPr>
+        <a:lstStyle/>
+        <a:p>
+          <a:pPr lvl="0" algn="ctr" defTabSz="577850">
+            <a:lnSpc>
+              <a:spcPct val="90000"/>
+            </a:lnSpc>
+            <a:spcBef>
+              <a:spcPct val="0"/>
+            </a:spcBef>
+            <a:spcAft>
+              <a:spcPct val="35000"/>
+            </a:spcAft>
+          </a:pPr>
+          <a:r>
+            <a:rPr lang="de-DE" sz="1300" kern="1200" dirty="0" smtClean="0"/>
+            <a:t> </a:t>
+          </a:r>
+          <a:endParaRPr lang="de-DE" sz="1300" kern="1200" dirty="0"/>
+        </a:p>
+      </dsp:txBody>
+      <dsp:txXfrm>
+        <a:off x="375246" y="325493"/>
+        <a:ext cx="469324" cy="468000"/>
+      </dsp:txXfrm>
+    </dsp:sp>
   </dsp:spTree>
 </dsp:drawing>
 </file>
@@ -5910,6 +6620,491 @@
       <dsp:cNvGrpSpPr/>
     </dsp:nvGrpSpPr>
     <dsp:grpSpPr/>
+    <dsp:sp modelId="{6D5BC600-9713-4DD2-8781-C62073791FAC}">
+      <dsp:nvSpPr>
+        <dsp:cNvPr id="0" name=""/>
+        <dsp:cNvSpPr/>
+      </dsp:nvSpPr>
+      <dsp:spPr>
+        <a:xfrm>
+          <a:off x="4428492" y="1434510"/>
+          <a:ext cx="3124266" cy="520504"/>
+        </a:xfrm>
+        <a:custGeom>
+          <a:avLst/>
+          <a:gdLst/>
+          <a:ahLst/>
+          <a:cxnLst/>
+          <a:rect l="0" t="0" r="0" b="0"/>
+          <a:pathLst>
+            <a:path>
+              <a:moveTo>
+                <a:pt x="0" y="0"/>
+              </a:moveTo>
+              <a:lnTo>
+                <a:pt x="0" y="260252"/>
+              </a:lnTo>
+              <a:lnTo>
+                <a:pt x="3124266" y="260252"/>
+              </a:lnTo>
+              <a:lnTo>
+                <a:pt x="3124266" y="520504"/>
+              </a:lnTo>
+            </a:path>
+          </a:pathLst>
+        </a:custGeom>
+        <a:noFill/>
+        <a:ln w="25400" cap="flat" cmpd="sng" algn="ctr">
+          <a:solidFill>
+            <a:schemeClr val="accent1">
+              <a:shade val="60000"/>
+              <a:hueOff val="0"/>
+              <a:satOff val="0"/>
+              <a:lumOff val="0"/>
+              <a:alphaOff val="0"/>
+            </a:schemeClr>
+          </a:solidFill>
+          <a:prstDash val="solid"/>
+        </a:ln>
+        <a:effectLst/>
+      </dsp:spPr>
+      <dsp:style>
+        <a:lnRef idx="2">
+          <a:scrgbClr r="0" g="0" b="0"/>
+        </a:lnRef>
+        <a:fillRef idx="0">
+          <a:scrgbClr r="0" g="0" b="0"/>
+        </a:fillRef>
+        <a:effectRef idx="0">
+          <a:scrgbClr r="0" g="0" b="0"/>
+        </a:effectRef>
+        <a:fontRef idx="minor"/>
+      </dsp:style>
+    </dsp:sp>
+    <dsp:sp modelId="{A0BCFAE1-8822-4539-93A5-5470B2DFA620}">
+      <dsp:nvSpPr>
+        <dsp:cNvPr id="0" name=""/>
+        <dsp:cNvSpPr/>
+      </dsp:nvSpPr>
+      <dsp:spPr>
+        <a:xfrm>
+          <a:off x="4382772" y="1434510"/>
+          <a:ext cx="91440" cy="520504"/>
+        </a:xfrm>
+        <a:custGeom>
+          <a:avLst/>
+          <a:gdLst/>
+          <a:ahLst/>
+          <a:cxnLst/>
+          <a:rect l="0" t="0" r="0" b="0"/>
+          <a:pathLst>
+            <a:path>
+              <a:moveTo>
+                <a:pt x="45720" y="0"/>
+              </a:moveTo>
+              <a:lnTo>
+                <a:pt x="45720" y="520504"/>
+              </a:lnTo>
+            </a:path>
+          </a:pathLst>
+        </a:custGeom>
+        <a:noFill/>
+        <a:ln w="25400" cap="flat" cmpd="sng" algn="ctr">
+          <a:solidFill>
+            <a:schemeClr val="accent1">
+              <a:shade val="60000"/>
+              <a:hueOff val="0"/>
+              <a:satOff val="0"/>
+              <a:lumOff val="0"/>
+              <a:alphaOff val="0"/>
+            </a:schemeClr>
+          </a:solidFill>
+          <a:prstDash val="solid"/>
+        </a:ln>
+        <a:effectLst/>
+      </dsp:spPr>
+      <dsp:style>
+        <a:lnRef idx="2">
+          <a:scrgbClr r="0" g="0" b="0"/>
+        </a:lnRef>
+        <a:fillRef idx="0">
+          <a:scrgbClr r="0" g="0" b="0"/>
+        </a:fillRef>
+        <a:effectRef idx="0">
+          <a:scrgbClr r="0" g="0" b="0"/>
+        </a:effectRef>
+        <a:fontRef idx="minor"/>
+      </dsp:style>
+    </dsp:sp>
+    <dsp:sp modelId="{3F94FDAA-0F75-4010-8F21-8A7E01B0779A}">
+      <dsp:nvSpPr>
+        <dsp:cNvPr id="0" name=""/>
+        <dsp:cNvSpPr/>
+      </dsp:nvSpPr>
+      <dsp:spPr>
+        <a:xfrm>
+          <a:off x="1304225" y="1434510"/>
+          <a:ext cx="3124266" cy="520504"/>
+        </a:xfrm>
+        <a:custGeom>
+          <a:avLst/>
+          <a:gdLst/>
+          <a:ahLst/>
+          <a:cxnLst/>
+          <a:rect l="0" t="0" r="0" b="0"/>
+          <a:pathLst>
+            <a:path>
+              <a:moveTo>
+                <a:pt x="3124266" y="0"/>
+              </a:moveTo>
+              <a:lnTo>
+                <a:pt x="3124266" y="260252"/>
+              </a:lnTo>
+              <a:lnTo>
+                <a:pt x="0" y="260252"/>
+              </a:lnTo>
+              <a:lnTo>
+                <a:pt x="0" y="520504"/>
+              </a:lnTo>
+            </a:path>
+          </a:pathLst>
+        </a:custGeom>
+        <a:noFill/>
+        <a:ln w="25400" cap="flat" cmpd="sng" algn="ctr">
+          <a:solidFill>
+            <a:schemeClr val="accent1">
+              <a:shade val="60000"/>
+              <a:hueOff val="0"/>
+              <a:satOff val="0"/>
+              <a:lumOff val="0"/>
+              <a:alphaOff val="0"/>
+            </a:schemeClr>
+          </a:solidFill>
+          <a:prstDash val="solid"/>
+        </a:ln>
+        <a:effectLst/>
+      </dsp:spPr>
+      <dsp:style>
+        <a:lnRef idx="2">
+          <a:scrgbClr r="0" g="0" b="0"/>
+        </a:lnRef>
+        <a:fillRef idx="0">
+          <a:scrgbClr r="0" g="0" b="0"/>
+        </a:fillRef>
+        <a:effectRef idx="0">
+          <a:scrgbClr r="0" g="0" b="0"/>
+        </a:effectRef>
+        <a:fontRef idx="minor"/>
+      </dsp:style>
+    </dsp:sp>
+    <dsp:sp modelId="{AD4F7CBA-E243-4549-A341-273C65E98AC7}">
+      <dsp:nvSpPr>
+        <dsp:cNvPr id="0" name=""/>
+        <dsp:cNvSpPr/>
+      </dsp:nvSpPr>
+      <dsp:spPr>
+        <a:xfrm>
+          <a:off x="3126610" y="881288"/>
+          <a:ext cx="2603762" cy="553222"/>
+        </a:xfrm>
+        <a:prstGeom prst="rect">
+          <a:avLst/>
+        </a:prstGeom>
+        <a:solidFill>
+          <a:schemeClr val="accent1">
+            <a:hueOff val="0"/>
+            <a:satOff val="0"/>
+            <a:lumOff val="0"/>
+            <a:alphaOff val="0"/>
+          </a:schemeClr>
+        </a:solidFill>
+        <a:ln w="25400" cap="flat" cmpd="sng" algn="ctr">
+          <a:solidFill>
+            <a:schemeClr val="lt1">
+              <a:hueOff val="0"/>
+              <a:satOff val="0"/>
+              <a:lumOff val="0"/>
+              <a:alphaOff val="0"/>
+            </a:schemeClr>
+          </a:solidFill>
+          <a:prstDash val="solid"/>
+        </a:ln>
+        <a:effectLst/>
+      </dsp:spPr>
+      <dsp:style>
+        <a:lnRef idx="2">
+          <a:scrgbClr r="0" g="0" b="0"/>
+        </a:lnRef>
+        <a:fillRef idx="1">
+          <a:scrgbClr r="0" g="0" b="0"/>
+        </a:fillRef>
+        <a:effectRef idx="0">
+          <a:scrgbClr r="0" g="0" b="0"/>
+        </a:effectRef>
+        <a:fontRef idx="minor">
+          <a:schemeClr val="lt1"/>
+        </a:fontRef>
+      </dsp:style>
+      <dsp:txBody>
+        <a:bodyPr spcFirstLastPara="0" vert="horz" wrap="square" lIns="10795" tIns="10795" rIns="10795" bIns="10795" numCol="1" spcCol="1270" anchor="ctr" anchorCtr="0">
+          <a:noAutofit/>
+        </a:bodyPr>
+        <a:lstStyle/>
+        <a:p>
+          <a:pPr lvl="0" algn="ctr" defTabSz="755650">
+            <a:lnSpc>
+              <a:spcPct val="90000"/>
+            </a:lnSpc>
+            <a:spcBef>
+              <a:spcPct val="0"/>
+            </a:spcBef>
+            <a:spcAft>
+              <a:spcPct val="35000"/>
+            </a:spcAft>
+          </a:pPr>
+          <a:r>
+            <a:rPr lang="de-DE" sz="1700" kern="1200" dirty="0" smtClean="0"/>
+            <a:t>Komprimierungsverfahren</a:t>
+          </a:r>
+          <a:endParaRPr lang="de-DE" sz="1700" kern="1200" dirty="0"/>
+        </a:p>
+      </dsp:txBody>
+      <dsp:txXfrm>
+        <a:off x="3126610" y="881288"/>
+        <a:ext cx="2603762" cy="553222"/>
+      </dsp:txXfrm>
+    </dsp:sp>
+    <dsp:sp modelId="{D9456436-E822-44B1-8D51-B2E0CB5DBD3A}">
+      <dsp:nvSpPr>
+        <dsp:cNvPr id="0" name=""/>
+        <dsp:cNvSpPr/>
+      </dsp:nvSpPr>
+      <dsp:spPr>
+        <a:xfrm>
+          <a:off x="2344" y="1955015"/>
+          <a:ext cx="2603762" cy="553222"/>
+        </a:xfrm>
+        <a:prstGeom prst="rect">
+          <a:avLst/>
+        </a:prstGeom>
+        <a:solidFill>
+          <a:schemeClr val="accent1">
+            <a:hueOff val="0"/>
+            <a:satOff val="0"/>
+            <a:lumOff val="0"/>
+            <a:alphaOff val="0"/>
+          </a:schemeClr>
+        </a:solidFill>
+        <a:ln w="25400" cap="flat" cmpd="sng" algn="ctr">
+          <a:solidFill>
+            <a:schemeClr val="lt1">
+              <a:hueOff val="0"/>
+              <a:satOff val="0"/>
+              <a:lumOff val="0"/>
+              <a:alphaOff val="0"/>
+            </a:schemeClr>
+          </a:solidFill>
+          <a:prstDash val="solid"/>
+        </a:ln>
+        <a:effectLst/>
+      </dsp:spPr>
+      <dsp:style>
+        <a:lnRef idx="2">
+          <a:scrgbClr r="0" g="0" b="0"/>
+        </a:lnRef>
+        <a:fillRef idx="1">
+          <a:scrgbClr r="0" g="0" b="0"/>
+        </a:fillRef>
+        <a:effectRef idx="0">
+          <a:scrgbClr r="0" g="0" b="0"/>
+        </a:effectRef>
+        <a:fontRef idx="minor">
+          <a:schemeClr val="lt1"/>
+        </a:fontRef>
+      </dsp:style>
+      <dsp:txBody>
+        <a:bodyPr spcFirstLastPara="0" vert="horz" wrap="square" lIns="10795" tIns="10795" rIns="10795" bIns="10795" numCol="1" spcCol="1270" anchor="ctr" anchorCtr="0">
+          <a:noAutofit/>
+        </a:bodyPr>
+        <a:lstStyle/>
+        <a:p>
+          <a:pPr lvl="0" algn="ctr" defTabSz="755650">
+            <a:lnSpc>
+              <a:spcPct val="90000"/>
+            </a:lnSpc>
+            <a:spcBef>
+              <a:spcPct val="0"/>
+            </a:spcBef>
+            <a:spcAft>
+              <a:spcPct val="35000"/>
+            </a:spcAft>
+          </a:pPr>
+          <a:r>
+            <a:rPr lang="de-DE" sz="1700" kern="1200" dirty="0" smtClean="0"/>
+            <a:t>LZ4</a:t>
+          </a:r>
+          <a:endParaRPr lang="de-DE" sz="1700" kern="1200" dirty="0"/>
+        </a:p>
+      </dsp:txBody>
+      <dsp:txXfrm>
+        <a:off x="2344" y="1955015"/>
+        <a:ext cx="2603762" cy="553222"/>
+      </dsp:txXfrm>
+    </dsp:sp>
+    <dsp:sp modelId="{50C7FCC1-BE90-4BF0-892D-AC8FB740825F}">
+      <dsp:nvSpPr>
+        <dsp:cNvPr id="0" name=""/>
+        <dsp:cNvSpPr/>
+      </dsp:nvSpPr>
+      <dsp:spPr>
+        <a:xfrm>
+          <a:off x="3126610" y="1955015"/>
+          <a:ext cx="2603762" cy="553222"/>
+        </a:xfrm>
+        <a:prstGeom prst="rect">
+          <a:avLst/>
+        </a:prstGeom>
+        <a:solidFill>
+          <a:schemeClr val="accent1">
+            <a:hueOff val="0"/>
+            <a:satOff val="0"/>
+            <a:lumOff val="0"/>
+            <a:alphaOff val="0"/>
+          </a:schemeClr>
+        </a:solidFill>
+        <a:ln w="25400" cap="flat" cmpd="sng" algn="ctr">
+          <a:solidFill>
+            <a:schemeClr val="lt1">
+              <a:hueOff val="0"/>
+              <a:satOff val="0"/>
+              <a:lumOff val="0"/>
+              <a:alphaOff val="0"/>
+            </a:schemeClr>
+          </a:solidFill>
+          <a:prstDash val="solid"/>
+        </a:ln>
+        <a:effectLst/>
+      </dsp:spPr>
+      <dsp:style>
+        <a:lnRef idx="2">
+          <a:scrgbClr r="0" g="0" b="0"/>
+        </a:lnRef>
+        <a:fillRef idx="1">
+          <a:scrgbClr r="0" g="0" b="0"/>
+        </a:fillRef>
+        <a:effectRef idx="0">
+          <a:scrgbClr r="0" g="0" b="0"/>
+        </a:effectRef>
+        <a:fontRef idx="minor">
+          <a:schemeClr val="lt1"/>
+        </a:fontRef>
+      </dsp:style>
+      <dsp:txBody>
+        <a:bodyPr spcFirstLastPara="0" vert="horz" wrap="square" lIns="10795" tIns="10795" rIns="10795" bIns="10795" numCol="1" spcCol="1270" anchor="ctr" anchorCtr="0">
+          <a:noAutofit/>
+        </a:bodyPr>
+        <a:lstStyle/>
+        <a:p>
+          <a:pPr lvl="0" algn="ctr" defTabSz="755650">
+            <a:lnSpc>
+              <a:spcPct val="90000"/>
+            </a:lnSpc>
+            <a:spcBef>
+              <a:spcPct val="0"/>
+            </a:spcBef>
+            <a:spcAft>
+              <a:spcPct val="35000"/>
+            </a:spcAft>
+          </a:pPr>
+          <a:r>
+            <a:rPr lang="de-DE" sz="1700" kern="1200" dirty="0" err="1" smtClean="0"/>
+            <a:t>Snappy</a:t>
+          </a:r>
+          <a:endParaRPr lang="de-DE" sz="1700" kern="1200" dirty="0"/>
+        </a:p>
+      </dsp:txBody>
+      <dsp:txXfrm>
+        <a:off x="3126610" y="1955015"/>
+        <a:ext cx="2603762" cy="553222"/>
+      </dsp:txXfrm>
+    </dsp:sp>
+    <dsp:sp modelId="{870B6059-CB4D-40A3-8B74-E28545F75667}">
+      <dsp:nvSpPr>
+        <dsp:cNvPr id="0" name=""/>
+        <dsp:cNvSpPr/>
+      </dsp:nvSpPr>
+      <dsp:spPr>
+        <a:xfrm>
+          <a:off x="6250877" y="1955015"/>
+          <a:ext cx="2603762" cy="553222"/>
+        </a:xfrm>
+        <a:prstGeom prst="rect">
+          <a:avLst/>
+        </a:prstGeom>
+        <a:solidFill>
+          <a:schemeClr val="accent1">
+            <a:hueOff val="0"/>
+            <a:satOff val="0"/>
+            <a:lumOff val="0"/>
+            <a:alphaOff val="0"/>
+          </a:schemeClr>
+        </a:solidFill>
+        <a:ln w="25400" cap="flat" cmpd="sng" algn="ctr">
+          <a:solidFill>
+            <a:schemeClr val="lt1">
+              <a:hueOff val="0"/>
+              <a:satOff val="0"/>
+              <a:lumOff val="0"/>
+              <a:alphaOff val="0"/>
+            </a:schemeClr>
+          </a:solidFill>
+          <a:prstDash val="solid"/>
+        </a:ln>
+        <a:effectLst/>
+      </dsp:spPr>
+      <dsp:style>
+        <a:lnRef idx="2">
+          <a:scrgbClr r="0" g="0" b="0"/>
+        </a:lnRef>
+        <a:fillRef idx="1">
+          <a:scrgbClr r="0" g="0" b="0"/>
+        </a:fillRef>
+        <a:effectRef idx="0">
+          <a:scrgbClr r="0" g="0" b="0"/>
+        </a:effectRef>
+        <a:fontRef idx="minor">
+          <a:schemeClr val="lt1"/>
+        </a:fontRef>
+      </dsp:style>
+      <dsp:txBody>
+        <a:bodyPr spcFirstLastPara="0" vert="horz" wrap="square" lIns="10795" tIns="10795" rIns="10795" bIns="10795" numCol="1" spcCol="1270" anchor="ctr" anchorCtr="0">
+          <a:noAutofit/>
+        </a:bodyPr>
+        <a:lstStyle/>
+        <a:p>
+          <a:pPr lvl="0" algn="ctr" defTabSz="755650">
+            <a:lnSpc>
+              <a:spcPct val="90000"/>
+            </a:lnSpc>
+            <a:spcBef>
+              <a:spcPct val="0"/>
+            </a:spcBef>
+            <a:spcAft>
+              <a:spcPct val="35000"/>
+            </a:spcAft>
+          </a:pPr>
+          <a:r>
+            <a:rPr lang="de-DE" sz="1700" kern="1200" dirty="0" err="1" smtClean="0"/>
+            <a:t>Deflate</a:t>
+          </a:r>
+          <a:endParaRPr lang="de-DE" sz="1700" kern="1200" dirty="0"/>
+        </a:p>
+      </dsp:txBody>
+      <dsp:txXfrm>
+        <a:off x="6250877" y="1955015"/>
+        <a:ext cx="2603762" cy="553222"/>
+      </dsp:txXfrm>
+    </dsp:sp>
   </dsp:spTree>
 </dsp:drawing>
 </file>
@@ -11403,25 +12598,17 @@
           <a:lstStyle/>
           <a:p>
             <a:r>
-              <a:rPr lang="de-DE" dirty="0" smtClean="0"/>
-              <a:t>Quellen</a:t>
-            </a:r>
-            <a:r>
-              <a:rPr lang="de-DE" baseline="0" dirty="0" smtClean="0"/>
-              <a:t> : Wikipedia : https://de.wikipedia.org/wiki/Apache_Cassandra#cite_note-4</a:t>
-            </a:r>
-          </a:p>
-          <a:p>
-            <a:r>
-              <a:rPr lang="de-DE" baseline="0" dirty="0" smtClean="0"/>
-              <a:t>https://www.codecentric.de/leistungen/produkte/cassandra/</a:t>
-            </a:r>
-          </a:p>
-          <a:p>
-            <a:endParaRPr lang="de-DE" baseline="0" dirty="0" smtClean="0"/>
-          </a:p>
-          <a:p>
-            <a:endParaRPr lang="de-DE" dirty="0"/>
+              <a:rPr lang="de-DE" dirty="0"/>
+              <a:t>Data und Log </a:t>
+            </a:r>
+            <a:r>
+              <a:rPr lang="de-DE" dirty="0" err="1"/>
+              <a:t>Volumes</a:t>
+            </a:r>
+            <a:r>
+              <a:rPr lang="de-DE" dirty="0"/>
+              <a:t> enthalten alle Änderungen der Daten</a:t>
+            </a:r>
           </a:p>
         </p:txBody>
       </p:sp>
@@ -11443,7 +12630,7 @@
             <a:fld id="{AB9EDB5D-BD4B-C740-8F6C-B28044BEA9E4}" type="slidenum">
               <a:rPr lang="de-DE" smtClean="0"/>
               <a:pPr/>
-              <a:t>23</a:t>
+              <a:t>21</a:t>
             </a:fld>
             <a:endParaRPr lang="de-DE"/>
           </a:p>
@@ -11452,7 +12639,7 @@
     </p:spTree>
     <p:extLst>
       <p:ext uri="{BB962C8B-B14F-4D97-AF65-F5344CB8AC3E}">
-        <p14:creationId xmlns:p14="http://schemas.microsoft.com/office/powerpoint/2010/main" val="2789530418"/>
+        <p14:creationId xmlns:p14="http://schemas.microsoft.com/office/powerpoint/2010/main" val="1366058345"/>
       </p:ext>
     </p:extLst>
   </p:cSld>
@@ -11508,85 +12695,21 @@
           <a:p>
             <a:r>
               <a:rPr lang="de-DE" dirty="0" smtClean="0"/>
-              <a:t>https://www.bigdata-insider.de/was-ist-nosql-a-615718/</a:t>
-            </a:r>
-          </a:p>
-          <a:p>
-            <a:endParaRPr lang="de-DE" dirty="0" smtClean="0"/>
-          </a:p>
-          <a:p>
-            <a:r>
-              <a:rPr lang="en-US" b="1" dirty="0" smtClean="0"/>
-              <a:t>* Mobile Applications</a:t>
-            </a:r>
-            <a:r>
-              <a:rPr lang="en-US" dirty="0" smtClean="0"/>
-              <a:t>. With nearly two billion smartphone users, mobile applications face scalability challenges in terms of growth and volume. For instance, it is not uncommon for mobile games to reach tens of millions of users in a matter of </a:t>
-            </a:r>
-            <a:r>
-              <a:rPr lang="en-US" dirty="0" err="1" smtClean="0"/>
-              <a:t>months.With</a:t>
-            </a:r>
-            <a:r>
-              <a:rPr lang="en-US" dirty="0" smtClean="0"/>
-              <a:t> a distributed, scale-out database, mobile applications can start with a small deployment and expand as the user base grows, rather than deploying an expensive, large relational database server from the beginning. </a:t>
-            </a:r>
-          </a:p>
-          <a:p>
-            <a:pPr marL="171450" indent="-171450">
-              <a:buFont typeface="Arial" panose="020B0604020202020204" pitchFamily="34" charset="0"/>
-              <a:buChar char="•"/>
-            </a:pPr>
-            <a:r>
-              <a:rPr lang="en-US" b="1" dirty="0" smtClean="0"/>
-              <a:t>Internet of Things. </a:t>
-            </a:r>
-            <a:r>
-              <a:rPr lang="en-US" dirty="0" smtClean="0"/>
-              <a:t>Today, some 20 billion devices are connected to the Internet – everything from smartphones and tablets to home appliances and systems installed in cars, hospitals and warehouses. The volume, velocity, and variety of machine-generated data are increasing with the proliferation of digital telemetry, which is semi-structured and continuous. Relational databases struggle with the three well-known challenges from big data </a:t>
-            </a:r>
-            <a:r>
-              <a:rPr lang="en-US" dirty="0" err="1" smtClean="0"/>
-              <a:t>IoT</a:t>
-            </a:r>
-            <a:r>
-              <a:rPr lang="en-US" dirty="0" smtClean="0"/>
-              <a:t> applications: scalability, throughput, and data variety. By contrast, NoSQL allows enterprises to scale concurrent data access to millions of connected devices and systems, store large volumes of data, and meet the performance requirements of mission-critical infrastructure and operations. </a:t>
-            </a:r>
-          </a:p>
-          <a:p>
-            <a:pPr marL="171450" indent="-171450">
-              <a:buFont typeface="Arial" panose="020B0604020202020204" pitchFamily="34" charset="0"/>
-              <a:buChar char="•"/>
-            </a:pPr>
-            <a:r>
-              <a:rPr lang="en-US" b="1" dirty="0" smtClean="0"/>
-              <a:t>* Real-Time Big Data. </a:t>
-            </a:r>
-            <a:r>
-              <a:rPr lang="en-US" dirty="0" smtClean="0"/>
-              <a:t>The ability to extract information from operational data in real-time is critical for an agile enterprise. It increases operational efficiency, reduces costs, and increases revenue by enabling you to act immediately on current data. In the past, operational databases and analytical databases were maintained as different environments. The operational database powered applications while the analytical database was part of the business intelligence and reporting environment. Today, NoSQL is used as both the front-end – to store and manage operational data from any source, and to feed data to Hadoop – as well as the back-end to receive, store and serve analytic results from Hadoop. </a:t>
-            </a:r>
-          </a:p>
-          <a:p>
-            <a:pPr marL="171450" indent="-171450">
-              <a:buFont typeface="Arial" panose="020B0604020202020204" pitchFamily="34" charset="0"/>
-              <a:buChar char="•"/>
-            </a:pPr>
-            <a:r>
-              <a:rPr lang="en-US" dirty="0" smtClean="0"/>
-              <a:t>QUELLE: (18.01.2018)</a:t>
-            </a:r>
-          </a:p>
-          <a:p>
-            <a:pPr marL="171450" indent="-171450">
-              <a:buFont typeface="Arial" panose="020B0604020202020204" pitchFamily="34" charset="0"/>
-              <a:buChar char="•"/>
-            </a:pPr>
-            <a:r>
-              <a:rPr lang="en-US" dirty="0" smtClean="0"/>
-              <a:t>https://www.networkworld.com/article/2999856/big-data-business-intelligence/10-use-cases-where-nosql-will-outperform-sql.html</a:t>
-            </a:r>
+              <a:t>Quellen</a:t>
+            </a:r>
+            <a:r>
+              <a:rPr lang="de-DE" baseline="0" dirty="0" smtClean="0"/>
+              <a:t> : Wikipedia : https://de.wikipedia.org/wiki/Apache_Cassandra#cite_note-4</a:t>
+            </a:r>
+          </a:p>
+          <a:p>
+            <a:r>
+              <a:rPr lang="de-DE" baseline="0" dirty="0" smtClean="0"/>
+              <a:t>https://www.codecentric.de/leistungen/produkte/cassandra/</a:t>
+            </a:r>
+          </a:p>
+          <a:p>
+            <a:endParaRPr lang="de-DE" baseline="0" dirty="0" smtClean="0"/>
           </a:p>
           <a:p>
             <a:endParaRPr lang="de-DE" dirty="0"/>
@@ -11611,7 +12734,7 @@
             <a:fld id="{AB9EDB5D-BD4B-C740-8F6C-B28044BEA9E4}" type="slidenum">
               <a:rPr lang="de-DE" smtClean="0"/>
               <a:pPr/>
-              <a:t>24</a:t>
+              <a:t>23</a:t>
             </a:fld>
             <a:endParaRPr lang="de-DE"/>
           </a:p>
@@ -11620,7 +12743,7 @@
     </p:spTree>
     <p:extLst>
       <p:ext uri="{BB962C8B-B14F-4D97-AF65-F5344CB8AC3E}">
-        <p14:creationId xmlns:p14="http://schemas.microsoft.com/office/powerpoint/2010/main" val="2587334851"/>
+        <p14:creationId xmlns:p14="http://schemas.microsoft.com/office/powerpoint/2010/main" val="2789530418"/>
       </p:ext>
     </p:extLst>
   </p:cSld>
@@ -11676,43 +12799,7 @@
           <a:p>
             <a:r>
               <a:rPr lang="de-DE" dirty="0" smtClean="0"/>
-              <a:t>https://docs.datastax.com/en/cassandra/3.0/cassandra/operations/opsConfigCompress.html</a:t>
-            </a:r>
-          </a:p>
-          <a:p>
-            <a:r>
-              <a:rPr lang="de-DE" dirty="0" smtClean="0"/>
-              <a:t>https://www.datastax.com/dev/blog/updates-to-cassandras-commit-log-in-2-2</a:t>
-            </a:r>
-          </a:p>
-          <a:p>
-            <a:r>
-              <a:rPr lang="de-DE" dirty="0" smtClean="0"/>
-              <a:t>https://docs.datastax.com/en/datastax_enterprise/4.8/datastax_enterprise/inmem/inmemUsingTables.html#inmemUsingTables__inMemoryTblLmt</a:t>
-            </a:r>
-          </a:p>
-          <a:p>
-            <a:r>
-              <a:rPr lang="de-DE" dirty="0" smtClean="0"/>
-              <a:t>https://docs.datastax.com/en/datastax_enterprise/4.8/datastax_enterprise/inmem/inmemTOC.html</a:t>
-            </a:r>
-          </a:p>
-          <a:p>
-            <a:r>
-              <a:rPr lang="de-DE" dirty="0" smtClean="0"/>
-              <a:t>https://docs.datastax.com/en/cassandra/3.0/cassandra/operations/opsConfigCompress.html</a:t>
-            </a:r>
-          </a:p>
-          <a:p>
-            <a:r>
-              <a:rPr lang="de-DE" dirty="0" smtClean="0"/>
-              <a:t>https://issues.apache.org/jira/browse/CASSANDRA-8099</a:t>
-            </a:r>
-          </a:p>
-          <a:p>
-            <a:r>
-              <a:rPr lang="de-DE" dirty="0" smtClean="0"/>
-              <a:t>https://www.datastax.com/2015/12/storage-engine-30</a:t>
+              <a:t>https://www.bigdata-insider.de/was-ist-nosql-a-615718/</a:t>
             </a:r>
           </a:p>
           <a:p>
@@ -11720,389 +12807,79 @@
           </a:p>
           <a:p>
             <a:r>
-              <a:rPr lang="de-DE" dirty="0" smtClean="0"/>
-              <a:t>LZ4:</a:t>
-            </a:r>
-          </a:p>
-          <a:p>
-            <a:r>
-              <a:rPr lang="de-DE" b="1" dirty="0" smtClean="0"/>
-              <a:t>LZ4</a:t>
-            </a:r>
-            <a:r>
-              <a:rPr lang="de-DE" dirty="0" smtClean="0"/>
-              <a:t> ist eine </a:t>
-            </a:r>
-            <a:r>
-              <a:rPr lang="de-DE" dirty="0" smtClean="0">
-                <a:hlinkClick r:id="rId3" tooltip="Freie Software"/>
-              </a:rPr>
-              <a:t>freie</a:t>
-            </a:r>
-            <a:r>
-              <a:rPr lang="de-DE" dirty="0" smtClean="0"/>
-              <a:t> </a:t>
-            </a:r>
-            <a:r>
-              <a:rPr lang="de-DE" dirty="0" smtClean="0">
-                <a:hlinkClick r:id="rId4" tooltip="Programmbibliothek"/>
-              </a:rPr>
-              <a:t>Programmbibliothek</a:t>
-            </a:r>
-            <a:r>
-              <a:rPr lang="de-DE" dirty="0" smtClean="0"/>
-              <a:t> zum </a:t>
-            </a:r>
-            <a:r>
-              <a:rPr lang="de-DE" dirty="0" smtClean="0">
-                <a:hlinkClick r:id="rId5" tooltip="Datenkompression"/>
-              </a:rPr>
-              <a:t>Komprimieren</a:t>
-            </a:r>
-            <a:r>
-              <a:rPr lang="de-DE" dirty="0" smtClean="0"/>
-              <a:t> und Dekomprimieren von Daten. Der Algorithmus gehört zur </a:t>
-            </a:r>
-            <a:r>
-              <a:rPr lang="de-DE" dirty="0" smtClean="0">
-                <a:hlinkClick r:id="rId6" tooltip="LZ77"/>
-              </a:rPr>
-              <a:t>LZ77</a:t>
-            </a:r>
-            <a:r>
-              <a:rPr lang="de-DE" dirty="0" smtClean="0"/>
-              <a:t>-Familie und wurde von Yann </a:t>
-            </a:r>
-            <a:r>
-              <a:rPr lang="de-DE" dirty="0" err="1" smtClean="0"/>
-              <a:t>Collet</a:t>
-            </a:r>
-            <a:r>
-              <a:rPr lang="de-DE" dirty="0" smtClean="0"/>
-              <a:t> entwickelt. Er ist auf hohe Kompressions- und Dekompressionsgeschwindigkeit ausgelegt, die offizielle Webseite gibt 400 MB/s pro Kern an.</a:t>
-            </a:r>
-            <a:r>
-              <a:rPr lang="de-DE" baseline="30000" dirty="0" smtClean="0">
-                <a:hlinkClick r:id="rId7"/>
-              </a:rPr>
-              <a:t>[3]</a:t>
-            </a:r>
-            <a:r>
-              <a:rPr lang="de-DE" dirty="0" smtClean="0"/>
-              <a:t> </a:t>
-            </a:r>
-          </a:p>
-          <a:p>
-            <a:r>
-              <a:rPr lang="de-DE" dirty="0" smtClean="0"/>
-              <a:t>LZ4 wird von den Dateisystemen </a:t>
-            </a:r>
-            <a:r>
-              <a:rPr lang="de-DE" dirty="0" smtClean="0">
-                <a:hlinkClick r:id="rId8" tooltip="ZFS (Dateisystem)"/>
-              </a:rPr>
-              <a:t>ZFS</a:t>
-            </a:r>
-            <a:r>
-              <a:rPr lang="de-DE" baseline="30000" dirty="0" smtClean="0">
-                <a:hlinkClick r:id="rId9"/>
-              </a:rPr>
-              <a:t>[4]</a:t>
-            </a:r>
-            <a:r>
-              <a:rPr lang="de-DE" dirty="0" smtClean="0"/>
-              <a:t> und </a:t>
-            </a:r>
-            <a:r>
-              <a:rPr lang="de-DE" dirty="0" err="1" smtClean="0">
-                <a:hlinkClick r:id="rId10" tooltip="SquashFS"/>
-              </a:rPr>
-              <a:t>SquashFS</a:t>
-            </a:r>
-            <a:r>
-              <a:rPr lang="de-DE" dirty="0" smtClean="0"/>
-              <a:t> zur On-</a:t>
-            </a:r>
-            <a:r>
-              <a:rPr lang="de-DE" dirty="0" err="1" smtClean="0"/>
-              <a:t>the</a:t>
-            </a:r>
-            <a:r>
-              <a:rPr lang="de-DE" dirty="0" smtClean="0"/>
-              <a:t>-</a:t>
-            </a:r>
-            <a:r>
-              <a:rPr lang="de-DE" dirty="0" err="1" smtClean="0"/>
-              <a:t>fly</a:t>
-            </a:r>
-            <a:r>
-              <a:rPr lang="de-DE" dirty="0" smtClean="0"/>
-              <a:t>-Kompression genutzt.</a:t>
-            </a:r>
-          </a:p>
-          <a:p>
-            <a:endParaRPr lang="de-DE" dirty="0" smtClean="0"/>
-          </a:p>
-          <a:p>
-            <a:r>
-              <a:rPr lang="de-DE" dirty="0" err="1" smtClean="0"/>
-              <a:t>Snappy</a:t>
-            </a:r>
-            <a:r>
-              <a:rPr lang="de-DE" dirty="0" smtClean="0"/>
-              <a:t>:</a:t>
-            </a:r>
-          </a:p>
-          <a:p>
-            <a:r>
-              <a:rPr lang="de-DE" b="1" dirty="0" err="1" smtClean="0"/>
-              <a:t>Snappy</a:t>
-            </a:r>
-            <a:r>
-              <a:rPr lang="de-DE" dirty="0" smtClean="0"/>
-              <a:t> ist eine </a:t>
-            </a:r>
-            <a:r>
-              <a:rPr lang="de-DE" dirty="0" smtClean="0">
-                <a:hlinkClick r:id="rId3" tooltip="Freie Software"/>
-              </a:rPr>
-              <a:t>freie</a:t>
-            </a:r>
-            <a:r>
-              <a:rPr lang="de-DE" dirty="0" smtClean="0"/>
-              <a:t> </a:t>
-            </a:r>
-            <a:r>
-              <a:rPr lang="de-DE" dirty="0" smtClean="0">
-                <a:hlinkClick r:id="rId4" tooltip="Programmbibliothek"/>
-              </a:rPr>
-              <a:t>Programmbibliothek</a:t>
-            </a:r>
-            <a:r>
-              <a:rPr lang="de-DE" dirty="0" smtClean="0"/>
-              <a:t> zum </a:t>
-            </a:r>
-            <a:r>
-              <a:rPr lang="de-DE" dirty="0" smtClean="0">
-                <a:hlinkClick r:id="rId5" tooltip="Datenkompression"/>
-              </a:rPr>
-              <a:t>Komprimieren</a:t>
-            </a:r>
-            <a:r>
-              <a:rPr lang="de-DE" dirty="0" smtClean="0"/>
-              <a:t> und Dekomprimieren von Daten. Der Algorithmus wurde von </a:t>
-            </a:r>
-            <a:r>
-              <a:rPr lang="de-DE" dirty="0" smtClean="0">
-                <a:hlinkClick r:id="rId11" tooltip="Google"/>
-              </a:rPr>
-              <a:t>Google</a:t>
-            </a:r>
-            <a:r>
-              <a:rPr lang="de-DE" dirty="0" smtClean="0"/>
-              <a:t> entwickelt und 2011 unter freier </a:t>
-            </a:r>
-            <a:r>
-              <a:rPr lang="de-DE" dirty="0" smtClean="0">
-                <a:hlinkClick r:id="rId12" tooltip="BSD-Lizenz"/>
-              </a:rPr>
-              <a:t>BSD-Lizenz</a:t>
-            </a:r>
-            <a:r>
-              <a:rPr lang="de-DE" dirty="0" smtClean="0"/>
-              <a:t> veröffentlicht. Er ist auf hohe Kompressions- und Dekompressionsgeschwindigkeit ausgelegt, die Kompressionsrate ist daher deutlich schlechter als die von </a:t>
-            </a:r>
-            <a:r>
-              <a:rPr lang="de-DE" dirty="0" err="1" smtClean="0">
-                <a:hlinkClick r:id="rId13" tooltip="Zlib"/>
-              </a:rPr>
-              <a:t>zlib</a:t>
-            </a:r>
-            <a:r>
-              <a:rPr lang="de-DE" dirty="0" smtClean="0"/>
-              <a:t>. </a:t>
-            </a:r>
-            <a:r>
-              <a:rPr lang="de-DE" dirty="0" err="1" smtClean="0"/>
-              <a:t>Snappy</a:t>
-            </a:r>
-            <a:r>
-              <a:rPr lang="de-DE" dirty="0" smtClean="0"/>
-              <a:t> ist schneller als der vergleichbare Algorithmus </a:t>
-            </a:r>
-            <a:r>
-              <a:rPr lang="de-DE" dirty="0" smtClean="0">
-                <a:hlinkClick r:id="rId14" tooltip="Lempel-Ziv-Oberhumer"/>
-              </a:rPr>
-              <a:t>LZO</a:t>
-            </a:r>
-            <a:r>
-              <a:rPr lang="de-DE" dirty="0" smtClean="0"/>
-              <a:t>.</a:t>
-            </a:r>
-            <a:r>
-              <a:rPr lang="de-DE" baseline="30000" dirty="0" smtClean="0">
-                <a:hlinkClick r:id="rId15"/>
-              </a:rPr>
-              <a:t>[2]</a:t>
-            </a:r>
-            <a:r>
-              <a:rPr lang="de-DE" baseline="30000" dirty="0" smtClean="0">
-                <a:hlinkClick r:id="rId16"/>
-              </a:rPr>
-              <a:t>[3]</a:t>
-            </a:r>
-            <a:r>
-              <a:rPr lang="de-DE" baseline="30000" dirty="0" smtClean="0">
-                <a:hlinkClick r:id="rId17"/>
-              </a:rPr>
-              <a:t>[4]</a:t>
-            </a:r>
-            <a:r>
-              <a:rPr lang="de-DE" dirty="0" smtClean="0"/>
-              <a:t> </a:t>
-            </a:r>
-          </a:p>
-          <a:p>
-            <a:r>
-              <a:rPr lang="de-DE" dirty="0" err="1" smtClean="0"/>
-              <a:t>Snappy</a:t>
-            </a:r>
-            <a:r>
-              <a:rPr lang="de-DE" dirty="0" smtClean="0"/>
-              <a:t> wird von Google-eigenen Programmen </a:t>
-            </a:r>
-            <a:r>
-              <a:rPr lang="de-DE" dirty="0" err="1" smtClean="0">
-                <a:hlinkClick r:id="rId18" tooltip="MapReduce"/>
-              </a:rPr>
-              <a:t>MapReduce</a:t>
-            </a:r>
-            <a:r>
-              <a:rPr lang="de-DE" dirty="0" smtClean="0"/>
-              <a:t> und </a:t>
-            </a:r>
-            <a:r>
-              <a:rPr lang="de-DE" dirty="0" err="1" smtClean="0">
-                <a:hlinkClick r:id="rId19" tooltip="BigTable"/>
-              </a:rPr>
-              <a:t>BigTable</a:t>
-            </a:r>
-            <a:r>
-              <a:rPr lang="de-DE" dirty="0" smtClean="0"/>
-              <a:t> sowie den Apache-Projekten </a:t>
-            </a:r>
-            <a:r>
-              <a:rPr lang="de-DE" dirty="0" err="1" smtClean="0">
-                <a:hlinkClick r:id="rId20" tooltip="Hadoop"/>
-              </a:rPr>
-              <a:t>Hadoop</a:t>
-            </a:r>
-            <a:r>
-              <a:rPr lang="de-DE" dirty="0" smtClean="0"/>
-              <a:t> und </a:t>
-            </a:r>
-            <a:r>
-              <a:rPr lang="de-DE" dirty="0" err="1" smtClean="0">
-                <a:hlinkClick r:id="rId21" tooltip="Lucene"/>
-              </a:rPr>
-              <a:t>Lucene</a:t>
-            </a:r>
-            <a:r>
-              <a:rPr lang="de-DE" dirty="0" smtClean="0"/>
-              <a:t> genutzt. </a:t>
-            </a:r>
-          </a:p>
-          <a:p>
-            <a:endParaRPr lang="de-DE" dirty="0" smtClean="0"/>
-          </a:p>
-          <a:p>
-            <a:r>
-              <a:rPr lang="de-DE" dirty="0" err="1" smtClean="0"/>
-              <a:t>Deflate</a:t>
-            </a:r>
-            <a:r>
-              <a:rPr lang="de-DE" dirty="0" smtClean="0"/>
-              <a:t>:</a:t>
-            </a:r>
-          </a:p>
-          <a:p>
-            <a:r>
-              <a:rPr lang="de-DE" b="1" dirty="0" err="1" smtClean="0"/>
-              <a:t>Deflate</a:t>
-            </a:r>
-            <a:r>
-              <a:rPr lang="de-DE" dirty="0" smtClean="0"/>
-              <a:t> (</a:t>
-            </a:r>
-            <a:r>
-              <a:rPr lang="de-DE" dirty="0" smtClean="0">
-                <a:hlinkClick r:id="rId22" tooltip="Englische Sprache"/>
-              </a:rPr>
-              <a:t>englisch</a:t>
-            </a:r>
-            <a:r>
-              <a:rPr lang="de-DE" dirty="0" smtClean="0"/>
-              <a:t> für </a:t>
-            </a:r>
-            <a:r>
-              <a:rPr lang="de-DE" i="1" dirty="0" smtClean="0"/>
-              <a:t>die Luft herauslassen</a:t>
-            </a:r>
-            <a:r>
-              <a:rPr lang="de-DE" dirty="0" smtClean="0"/>
-              <a:t>) ist ein </a:t>
-            </a:r>
-            <a:r>
-              <a:rPr lang="de-DE" dirty="0" smtClean="0">
-                <a:hlinkClick r:id="rId23" tooltip="Algorithmus"/>
-              </a:rPr>
-              <a:t>Algorithmus</a:t>
-            </a:r>
-            <a:r>
-              <a:rPr lang="de-DE" dirty="0" smtClean="0"/>
-              <a:t> zur verlustlosen </a:t>
-            </a:r>
-            <a:r>
-              <a:rPr lang="de-DE" dirty="0" smtClean="0">
-                <a:hlinkClick r:id="rId5" tooltip="Datenkompression"/>
-              </a:rPr>
-              <a:t>Datenkompression</a:t>
-            </a:r>
-            <a:r>
-              <a:rPr lang="de-DE" dirty="0" smtClean="0"/>
-              <a:t>. Er wurde von </a:t>
-            </a:r>
-            <a:r>
-              <a:rPr lang="de-DE" dirty="0" smtClean="0">
-                <a:hlinkClick r:id="rId24" tooltip="Phil Katz"/>
-              </a:rPr>
-              <a:t>Phil Katz</a:t>
-            </a:r>
-            <a:r>
-              <a:rPr lang="de-DE" dirty="0" smtClean="0"/>
-              <a:t> für das </a:t>
-            </a:r>
-            <a:r>
-              <a:rPr lang="de-DE" dirty="0" smtClean="0">
-                <a:hlinkClick r:id="rId25" tooltip="ZIP (Dateiformat)"/>
-              </a:rPr>
-              <a:t>ZIP</a:t>
-            </a:r>
-            <a:r>
-              <a:rPr lang="de-DE" dirty="0" smtClean="0"/>
-              <a:t>-Archivformat entwickelt und später der </a:t>
-            </a:r>
-            <a:r>
-              <a:rPr lang="de-DE" dirty="0" smtClean="0">
-                <a:hlinkClick r:id="rId26" tooltip="Gemeinfreiheit"/>
-              </a:rPr>
-              <a:t>Gemeinfreiheit</a:t>
-            </a:r>
-            <a:r>
-              <a:rPr lang="de-DE" dirty="0" smtClean="0"/>
-              <a:t> zugeführt. </a:t>
-            </a:r>
+              <a:rPr lang="en-US" b="1" dirty="0" smtClean="0"/>
+              <a:t>* Mobile Applications</a:t>
+            </a:r>
+            <a:r>
+              <a:rPr lang="en-US" dirty="0" smtClean="0"/>
+              <a:t>. With nearly two billion smartphone users, mobile applications face scalability challenges in terms of growth and volume. For instance, it is not uncommon for mobile games to reach tens of millions of users in a matter of </a:t>
+            </a:r>
+            <a:r>
+              <a:rPr lang="en-US" dirty="0" err="1" smtClean="0"/>
+              <a:t>months.With</a:t>
+            </a:r>
+            <a:r>
+              <a:rPr lang="en-US" dirty="0" smtClean="0"/>
+              <a:t> a distributed, scale-out database, mobile applications can start with a small deployment and expand as the user base grows, rather than deploying an expensive, large relational database server from the beginning. </a:t>
+            </a:r>
+          </a:p>
+          <a:p>
+            <a:pPr marL="171450" indent="-171450">
+              <a:buFont typeface="Arial" panose="020B0604020202020204" pitchFamily="34" charset="0"/>
+              <a:buChar char="•"/>
+            </a:pPr>
+            <a:r>
+              <a:rPr lang="en-US" b="1" dirty="0" smtClean="0"/>
+              <a:t>Internet of Things. </a:t>
+            </a:r>
+            <a:r>
+              <a:rPr lang="en-US" dirty="0" smtClean="0"/>
+              <a:t>Today, some 20 billion devices are connected to the Internet – everything from smartphones and tablets to home appliances and systems installed in cars, hospitals and warehouses. The volume, velocity, and variety of machine-generated data are increasing with the proliferation of digital telemetry, which is semi-structured and continuous. Relational databases struggle with the three well-known challenges from big data </a:t>
+            </a:r>
+            <a:r>
+              <a:rPr lang="en-US" dirty="0" err="1" smtClean="0"/>
+              <a:t>IoT</a:t>
+            </a:r>
+            <a:r>
+              <a:rPr lang="en-US" dirty="0" smtClean="0"/>
+              <a:t> applications: scalability, throughput, and data variety. By contrast, NoSQL allows enterprises to scale concurrent data access to millions of connected devices and systems, store large volumes of data, and meet the performance requirements of mission-critical infrastructure and operations. </a:t>
+            </a:r>
+          </a:p>
+          <a:p>
+            <a:pPr marL="171450" indent="-171450">
+              <a:buFont typeface="Arial" panose="020B0604020202020204" pitchFamily="34" charset="0"/>
+              <a:buChar char="•"/>
+            </a:pPr>
+            <a:r>
+              <a:rPr lang="en-US" b="1" dirty="0" smtClean="0"/>
+              <a:t>* Real-Time Big Data. </a:t>
+            </a:r>
+            <a:r>
+              <a:rPr lang="en-US" dirty="0" smtClean="0"/>
+              <a:t>The ability to extract information from operational data in real-time is critical for an agile enterprise. It increases operational efficiency, reduces costs, and increases revenue by enabling you to act immediately on current data. In the past, operational databases and analytical databases were maintained as different environments. The operational database powered applications while the analytical database was part of the business intelligence and reporting environment. Today, NoSQL is used as both the front-end – to store and manage operational data from any source, and to feed data to Hadoop – as well as the back-end to receive, store and serve analytic results from Hadoop. </a:t>
+            </a:r>
+          </a:p>
+          <a:p>
+            <a:pPr marL="171450" indent="-171450">
+              <a:buFont typeface="Arial" panose="020B0604020202020204" pitchFamily="34" charset="0"/>
+              <a:buChar char="•"/>
+            </a:pPr>
+            <a:r>
+              <a:rPr lang="en-US" dirty="0" smtClean="0"/>
+              <a:t>QUELLE: (18.01.2018)</a:t>
+            </a:r>
+          </a:p>
+          <a:p>
+            <a:pPr marL="171450" indent="-171450">
+              <a:buFont typeface="Arial" panose="020B0604020202020204" pitchFamily="34" charset="0"/>
+              <a:buChar char="•"/>
+            </a:pPr>
+            <a:r>
+              <a:rPr lang="en-US" dirty="0" smtClean="0"/>
+              <a:t>https://www.networkworld.com/article/2999856/big-data-business-intelligence/10-use-cases-where-nosql-will-outperform-sql.html</a:t>
+            </a:r>
+          </a:p>
+          <a:p>
             <a:endParaRPr lang="de-DE" dirty="0"/>
           </a:p>
         </p:txBody>
@@ -12125,7 +12902,7 @@
             <a:fld id="{AB9EDB5D-BD4B-C740-8F6C-B28044BEA9E4}" type="slidenum">
               <a:rPr lang="de-DE" smtClean="0"/>
               <a:pPr/>
-              <a:t>26</a:t>
+              <a:t>24</a:t>
             </a:fld>
             <a:endParaRPr lang="de-DE"/>
           </a:p>
@@ -12134,7 +12911,7 @@
     </p:spTree>
     <p:extLst>
       <p:ext uri="{BB962C8B-B14F-4D97-AF65-F5344CB8AC3E}">
-        <p14:creationId xmlns:p14="http://schemas.microsoft.com/office/powerpoint/2010/main" val="4263509028"/>
+        <p14:creationId xmlns:p14="http://schemas.microsoft.com/office/powerpoint/2010/main" val="2587334851"/>
       </p:ext>
     </p:extLst>
   </p:cSld>
@@ -12190,36 +12967,433 @@
           <a:p>
             <a:r>
               <a:rPr lang="de-DE" dirty="0" smtClean="0"/>
+              <a:t>https://docs.datastax.com/en/cassandra/3.0/cassandra/operations/opsConfigCompress.html</a:t>
+            </a:r>
+          </a:p>
+          <a:p>
+            <a:r>
+              <a:rPr lang="de-DE" dirty="0" smtClean="0"/>
+              <a:t>https://www.datastax.com/dev/blog/updates-to-cassandras-commit-log-in-2-2</a:t>
+            </a:r>
+          </a:p>
+          <a:p>
+            <a:r>
+              <a:rPr lang="de-DE" dirty="0" smtClean="0"/>
+              <a:t>https://docs.datastax.com/en/datastax_enterprise/4.8/datastax_enterprise/inmem/inmemUsingTables.html#inmemUsingTables__inMemoryTblLmt</a:t>
+            </a:r>
+          </a:p>
+          <a:p>
+            <a:r>
+              <a:rPr lang="de-DE" dirty="0" smtClean="0"/>
+              <a:t>https://docs.datastax.com/en/datastax_enterprise/4.8/datastax_enterprise/inmem/inmemTOC.html</a:t>
+            </a:r>
+          </a:p>
+          <a:p>
+            <a:r>
+              <a:rPr lang="de-DE" dirty="0" smtClean="0"/>
+              <a:t>https://docs.datastax.com/en/cassandra/3.0/cassandra/operations/opsConfigCompress.html</a:t>
+            </a:r>
+          </a:p>
+          <a:p>
+            <a:r>
+              <a:rPr lang="de-DE" dirty="0" smtClean="0"/>
+              <a:t>https://issues.apache.org/jira/browse/CASSANDRA-8099</a:t>
+            </a:r>
+          </a:p>
+          <a:p>
+            <a:r>
+              <a:rPr lang="de-DE" dirty="0" smtClean="0"/>
               <a:t>https://www.datastax.com/2015/12/storage-engine-30</a:t>
             </a:r>
           </a:p>
           <a:p>
+            <a:endParaRPr lang="de-DE" dirty="0" smtClean="0"/>
+          </a:p>
+          <a:p>
             <a:r>
               <a:rPr lang="de-DE" dirty="0" smtClean="0"/>
-              <a:t>Quelle https://www.bigdata-insider.de/</a:t>
-            </a:r>
-          </a:p>
-          <a:p>
+              <a:t>LZ4:</a:t>
+            </a:r>
+          </a:p>
+          <a:p>
+            <a:r>
+              <a:rPr lang="de-DE" b="1" dirty="0" smtClean="0"/>
+              <a:t>LZ4</a:t>
+            </a:r>
             <a:r>
               <a:rPr lang="de-DE" dirty="0" smtClean="0"/>
-              <a:t>grundlagen-der-</a:t>
+              <a:t> ist eine </a:t>
+            </a:r>
+            <a:r>
+              <a:rPr lang="de-DE" dirty="0" smtClean="0">
+                <a:hlinkClick r:id="rId3" tooltip="Freie Software"/>
+              </a:rPr>
+              <a:t>freie</a:t>
+            </a:r>
+            <a:r>
+              <a:rPr lang="de-DE" dirty="0" smtClean="0"/>
+              <a:t> </a:t>
+            </a:r>
+            <a:r>
+              <a:rPr lang="de-DE" dirty="0" smtClean="0">
+                <a:hlinkClick r:id="rId4" tooltip="Programmbibliothek"/>
+              </a:rPr>
+              <a:t>Programmbibliothek</a:t>
+            </a:r>
+            <a:r>
+              <a:rPr lang="de-DE" dirty="0" smtClean="0"/>
+              <a:t> zum </a:t>
+            </a:r>
+            <a:r>
+              <a:rPr lang="de-DE" dirty="0" smtClean="0">
+                <a:hlinkClick r:id="rId5" tooltip="Datenkompression"/>
+              </a:rPr>
+              <a:t>Komprimieren</a:t>
+            </a:r>
+            <a:r>
+              <a:rPr lang="de-DE" dirty="0" smtClean="0"/>
+              <a:t> und Dekomprimieren von Daten. Der Algorithmus gehört zur </a:t>
+            </a:r>
+            <a:r>
+              <a:rPr lang="de-DE" dirty="0" smtClean="0">
+                <a:hlinkClick r:id="rId6" tooltip="LZ77"/>
+              </a:rPr>
+              <a:t>LZ77</a:t>
+            </a:r>
+            <a:r>
+              <a:rPr lang="de-DE" dirty="0" smtClean="0"/>
+              <a:t>-Familie und wurde von Yann </a:t>
             </a:r>
             <a:r>
               <a:rPr lang="de-DE" dirty="0" err="1" smtClean="0"/>
-              <a:t>nosql</a:t>
+              <a:t>Collet</a:t>
+            </a:r>
+            <a:r>
+              <a:rPr lang="de-DE" dirty="0" smtClean="0"/>
+              <a:t> entwickelt. Er ist auf hohe Kompressions- und Dekompressionsgeschwindigkeit ausgelegt, die offizielle Webseite gibt 400 MB/s pro Kern an.</a:t>
+            </a:r>
+            <a:r>
+              <a:rPr lang="de-DE" baseline="30000" dirty="0" smtClean="0">
+                <a:hlinkClick r:id="rId7"/>
+              </a:rPr>
+              <a:t>[3]</a:t>
+            </a:r>
+            <a:r>
+              <a:rPr lang="de-DE" dirty="0" smtClean="0"/>
+              <a:t> </a:t>
+            </a:r>
+          </a:p>
+          <a:p>
+            <a:r>
+              <a:rPr lang="de-DE" dirty="0" smtClean="0"/>
+              <a:t>LZ4 wird von den Dateisystemen </a:t>
+            </a:r>
+            <a:r>
+              <a:rPr lang="de-DE" dirty="0" smtClean="0">
+                <a:hlinkClick r:id="rId8" tooltip="ZFS (Dateisystem)"/>
+              </a:rPr>
+              <a:t>ZFS</a:t>
+            </a:r>
+            <a:r>
+              <a:rPr lang="de-DE" baseline="30000" dirty="0" smtClean="0">
+                <a:hlinkClick r:id="rId9"/>
+              </a:rPr>
+              <a:t>[4]</a:t>
+            </a:r>
+            <a:r>
+              <a:rPr lang="de-DE" dirty="0" smtClean="0"/>
+              <a:t> und </a:t>
+            </a:r>
+            <a:r>
+              <a:rPr lang="de-DE" dirty="0" err="1" smtClean="0">
+                <a:hlinkClick r:id="rId10" tooltip="SquashFS"/>
+              </a:rPr>
+              <a:t>SquashFS</a:t>
+            </a:r>
+            <a:r>
+              <a:rPr lang="de-DE" dirty="0" smtClean="0"/>
+              <a:t> zur On-</a:t>
+            </a:r>
+            <a:r>
+              <a:rPr lang="de-DE" dirty="0" err="1" smtClean="0"/>
+              <a:t>the</a:t>
             </a:r>
             <a:r>
               <a:rPr lang="de-DE" dirty="0" smtClean="0"/>
               <a:t>-</a:t>
             </a:r>
-          </a:p>
-          <a:p>
+            <a:r>
+              <a:rPr lang="de-DE" dirty="0" err="1" smtClean="0"/>
+              <a:t>fly</a:t>
+            </a:r>
             <a:r>
               <a:rPr lang="de-DE" dirty="0" smtClean="0"/>
-              <a:t>datenbank-apache-cassandra-a-512231/ </a:t>
-            </a:r>
-          </a:p>
-          <a:p>
+              <a:t>-Kompression genutzt.</a:t>
+            </a:r>
+          </a:p>
+          <a:p>
+            <a:endParaRPr lang="de-DE" dirty="0" smtClean="0"/>
+          </a:p>
+          <a:p>
+            <a:r>
+              <a:rPr lang="de-DE" dirty="0" err="1" smtClean="0"/>
+              <a:t>Snappy</a:t>
+            </a:r>
+            <a:r>
+              <a:rPr lang="de-DE" dirty="0" smtClean="0"/>
+              <a:t>:</a:t>
+            </a:r>
+          </a:p>
+          <a:p>
+            <a:r>
+              <a:rPr lang="de-DE" b="1" dirty="0" err="1" smtClean="0"/>
+              <a:t>Snappy</a:t>
+            </a:r>
+            <a:r>
+              <a:rPr lang="de-DE" dirty="0" smtClean="0"/>
+              <a:t> ist eine </a:t>
+            </a:r>
+            <a:r>
+              <a:rPr lang="de-DE" dirty="0" smtClean="0">
+                <a:hlinkClick r:id="rId3" tooltip="Freie Software"/>
+              </a:rPr>
+              <a:t>freie</a:t>
+            </a:r>
+            <a:r>
+              <a:rPr lang="de-DE" dirty="0" smtClean="0"/>
+              <a:t> </a:t>
+            </a:r>
+            <a:r>
+              <a:rPr lang="de-DE" dirty="0" smtClean="0">
+                <a:hlinkClick r:id="rId4" tooltip="Programmbibliothek"/>
+              </a:rPr>
+              <a:t>Programmbibliothek</a:t>
+            </a:r>
+            <a:r>
+              <a:rPr lang="de-DE" dirty="0" smtClean="0"/>
+              <a:t> zum </a:t>
+            </a:r>
+            <a:r>
+              <a:rPr lang="de-DE" dirty="0" smtClean="0">
+                <a:hlinkClick r:id="rId5" tooltip="Datenkompression"/>
+              </a:rPr>
+              <a:t>Komprimieren</a:t>
+            </a:r>
+            <a:r>
+              <a:rPr lang="de-DE" dirty="0" smtClean="0"/>
+              <a:t> und Dekomprimieren von Daten. Der Algorithmus wurde von </a:t>
+            </a:r>
+            <a:r>
+              <a:rPr lang="de-DE" dirty="0" smtClean="0">
+                <a:hlinkClick r:id="rId11" tooltip="Google"/>
+              </a:rPr>
+              <a:t>Google</a:t>
+            </a:r>
+            <a:r>
+              <a:rPr lang="de-DE" dirty="0" smtClean="0"/>
+              <a:t> entwickelt und 2011 unter freier </a:t>
+            </a:r>
+            <a:r>
+              <a:rPr lang="de-DE" dirty="0" smtClean="0">
+                <a:hlinkClick r:id="rId12" tooltip="BSD-Lizenz"/>
+              </a:rPr>
+              <a:t>BSD-Lizenz</a:t>
+            </a:r>
+            <a:r>
+              <a:rPr lang="de-DE" dirty="0" smtClean="0"/>
+              <a:t> veröffentlicht. Er ist auf hohe Kompressions- und Dekompressionsgeschwindigkeit ausgelegt, die Kompressionsrate ist daher deutlich schlechter als die von </a:t>
+            </a:r>
+            <a:r>
+              <a:rPr lang="de-DE" dirty="0" err="1" smtClean="0">
+                <a:hlinkClick r:id="rId13" tooltip="Zlib"/>
+              </a:rPr>
+              <a:t>zlib</a:t>
+            </a:r>
+            <a:r>
+              <a:rPr lang="de-DE" dirty="0" smtClean="0"/>
+              <a:t>. </a:t>
+            </a:r>
+            <a:r>
+              <a:rPr lang="de-DE" dirty="0" err="1" smtClean="0"/>
+              <a:t>Snappy</a:t>
+            </a:r>
+            <a:r>
+              <a:rPr lang="de-DE" dirty="0" smtClean="0"/>
+              <a:t> ist schneller als der vergleichbare Algorithmus </a:t>
+            </a:r>
+            <a:r>
+              <a:rPr lang="de-DE" dirty="0" smtClean="0">
+                <a:hlinkClick r:id="rId14" tooltip="Lempel-Ziv-Oberhumer"/>
+              </a:rPr>
+              <a:t>LZO</a:t>
+            </a:r>
+            <a:r>
+              <a:rPr lang="de-DE" dirty="0" smtClean="0"/>
+              <a:t>.</a:t>
+            </a:r>
+            <a:r>
+              <a:rPr lang="de-DE" baseline="30000" dirty="0" smtClean="0">
+                <a:hlinkClick r:id="rId15"/>
+              </a:rPr>
+              <a:t>[2]</a:t>
+            </a:r>
+            <a:r>
+              <a:rPr lang="de-DE" baseline="30000" dirty="0" smtClean="0">
+                <a:hlinkClick r:id="rId16"/>
+              </a:rPr>
+              <a:t>[3]</a:t>
+            </a:r>
+            <a:r>
+              <a:rPr lang="de-DE" baseline="30000" dirty="0" smtClean="0">
+                <a:hlinkClick r:id="rId17"/>
+              </a:rPr>
+              <a:t>[4]</a:t>
+            </a:r>
+            <a:r>
+              <a:rPr lang="de-DE" dirty="0" smtClean="0"/>
+              <a:t> </a:t>
+            </a:r>
+          </a:p>
+          <a:p>
+            <a:r>
+              <a:rPr lang="de-DE" dirty="0" err="1" smtClean="0"/>
+              <a:t>Snappy</a:t>
+            </a:r>
+            <a:r>
+              <a:rPr lang="de-DE" dirty="0" smtClean="0"/>
+              <a:t> wird von Google-eigenen Programmen </a:t>
+            </a:r>
+            <a:r>
+              <a:rPr lang="de-DE" dirty="0" err="1" smtClean="0">
+                <a:hlinkClick r:id="rId18" tooltip="MapReduce"/>
+              </a:rPr>
+              <a:t>MapReduce</a:t>
+            </a:r>
+            <a:r>
+              <a:rPr lang="de-DE" dirty="0" smtClean="0"/>
+              <a:t> und </a:t>
+            </a:r>
+            <a:r>
+              <a:rPr lang="de-DE" dirty="0" err="1" smtClean="0">
+                <a:hlinkClick r:id="rId19" tooltip="BigTable"/>
+              </a:rPr>
+              <a:t>BigTable</a:t>
+            </a:r>
+            <a:r>
+              <a:rPr lang="de-DE" dirty="0" smtClean="0"/>
+              <a:t> sowie den Apache-Projekten </a:t>
+            </a:r>
+            <a:r>
+              <a:rPr lang="de-DE" dirty="0" err="1" smtClean="0">
+                <a:hlinkClick r:id="rId20" tooltip="Hadoop"/>
+              </a:rPr>
+              <a:t>Hadoop</a:t>
+            </a:r>
+            <a:r>
+              <a:rPr lang="de-DE" dirty="0" smtClean="0"/>
+              <a:t> und </a:t>
+            </a:r>
+            <a:r>
+              <a:rPr lang="de-DE" dirty="0" err="1" smtClean="0">
+                <a:hlinkClick r:id="rId21" tooltip="Lucene"/>
+              </a:rPr>
+              <a:t>Lucene</a:t>
+            </a:r>
+            <a:r>
+              <a:rPr lang="de-DE" dirty="0" smtClean="0"/>
+              <a:t> genutzt. </a:t>
+            </a:r>
+          </a:p>
+          <a:p>
+            <a:endParaRPr lang="de-DE" dirty="0" smtClean="0"/>
+          </a:p>
+          <a:p>
+            <a:r>
+              <a:rPr lang="de-DE" dirty="0" err="1" smtClean="0"/>
+              <a:t>Deflate</a:t>
+            </a:r>
+            <a:r>
+              <a:rPr lang="de-DE" dirty="0" smtClean="0"/>
+              <a:t>:</a:t>
+            </a:r>
+          </a:p>
+          <a:p>
+            <a:r>
+              <a:rPr lang="de-DE" b="1" dirty="0" err="1" smtClean="0"/>
+              <a:t>Deflate</a:t>
+            </a:r>
+            <a:r>
+              <a:rPr lang="de-DE" dirty="0" smtClean="0"/>
+              <a:t> (</a:t>
+            </a:r>
+            <a:r>
+              <a:rPr lang="de-DE" dirty="0" smtClean="0">
+                <a:hlinkClick r:id="rId22" tooltip="Englische Sprache"/>
+              </a:rPr>
+              <a:t>englisch</a:t>
+            </a:r>
+            <a:r>
+              <a:rPr lang="de-DE" dirty="0" smtClean="0"/>
+              <a:t> für </a:t>
+            </a:r>
+            <a:r>
+              <a:rPr lang="de-DE" i="1" dirty="0" smtClean="0"/>
+              <a:t>die Luft herauslassen</a:t>
+            </a:r>
+            <a:r>
+              <a:rPr lang="de-DE" dirty="0" smtClean="0"/>
+              <a:t>) ist ein </a:t>
+            </a:r>
+            <a:r>
+              <a:rPr lang="de-DE" dirty="0" smtClean="0">
+                <a:hlinkClick r:id="rId23" tooltip="Algorithmus"/>
+              </a:rPr>
+              <a:t>Algorithmus</a:t>
+            </a:r>
+            <a:r>
+              <a:rPr lang="de-DE" dirty="0" smtClean="0"/>
+              <a:t> zur verlustlosen </a:t>
+            </a:r>
+            <a:r>
+              <a:rPr lang="de-DE" dirty="0" smtClean="0">
+                <a:hlinkClick r:id="rId5" tooltip="Datenkompression"/>
+              </a:rPr>
+              <a:t>Datenkompression</a:t>
+            </a:r>
+            <a:r>
+              <a:rPr lang="de-DE" dirty="0" smtClean="0"/>
+              <a:t>. Er wurde von </a:t>
+            </a:r>
+            <a:r>
+              <a:rPr lang="de-DE" dirty="0" smtClean="0">
+                <a:hlinkClick r:id="rId24" tooltip="Phil Katz"/>
+              </a:rPr>
+              <a:t>Phil Katz</a:t>
+            </a:r>
+            <a:r>
+              <a:rPr lang="de-DE" dirty="0" smtClean="0"/>
+              <a:t> für das </a:t>
+            </a:r>
+            <a:r>
+              <a:rPr lang="de-DE" dirty="0" smtClean="0">
+                <a:hlinkClick r:id="rId25" tooltip="ZIP (Dateiformat)"/>
+              </a:rPr>
+              <a:t>ZIP</a:t>
+            </a:r>
+            <a:r>
+              <a:rPr lang="de-DE" dirty="0" smtClean="0"/>
+              <a:t>-Archivformat entwickelt und später der </a:t>
+            </a:r>
+            <a:r>
+              <a:rPr lang="de-DE" dirty="0" smtClean="0">
+                <a:hlinkClick r:id="rId26" tooltip="Gemeinfreiheit"/>
+              </a:rPr>
+              <a:t>Gemeinfreiheit</a:t>
+            </a:r>
+            <a:r>
+              <a:rPr lang="de-DE" dirty="0" smtClean="0"/>
+              <a:t> zugeführt. </a:t>
+            </a:r>
             <a:endParaRPr lang="de-DE" dirty="0"/>
           </a:p>
         </p:txBody>
@@ -12242,7 +13416,7 @@
             <a:fld id="{AB9EDB5D-BD4B-C740-8F6C-B28044BEA9E4}" type="slidenum">
               <a:rPr lang="de-DE" smtClean="0"/>
               <a:pPr/>
-              <a:t>27</a:t>
+              <a:t>26</a:t>
             </a:fld>
             <a:endParaRPr lang="de-DE"/>
           </a:p>
@@ -12251,7 +13425,7 @@
     </p:spTree>
     <p:extLst>
       <p:ext uri="{BB962C8B-B14F-4D97-AF65-F5344CB8AC3E}">
-        <p14:creationId xmlns:p14="http://schemas.microsoft.com/office/powerpoint/2010/main" val="2780575703"/>
+        <p14:creationId xmlns:p14="http://schemas.microsoft.com/office/powerpoint/2010/main" val="4263509028"/>
       </p:ext>
     </p:extLst>
   </p:cSld>
@@ -12306,99 +13480,38 @@
           <a:lstStyle/>
           <a:p>
             <a:r>
-              <a:rPr lang="de-DE" dirty="0"/>
-              <a:t>Dictionary</a:t>
-            </a:r>
-            <a:r>
-              <a:rPr lang="de-DE" baseline="0" dirty="0"/>
-              <a:t> ist eine Komprimierung vom typ light-</a:t>
-            </a:r>
-            <a:r>
-              <a:rPr lang="de-DE" baseline="0" dirty="0" err="1"/>
-              <a:t>weight</a:t>
-            </a:r>
-            <a:r>
-              <a:rPr lang="de-DE" baseline="0" dirty="0"/>
-              <a:t> </a:t>
-            </a:r>
-            <a:r>
-              <a:rPr lang="de-DE" baseline="0" dirty="0" err="1"/>
-              <a:t>komprimierung</a:t>
-            </a:r>
-            <a:r>
-              <a:rPr lang="de-DE" baseline="0" dirty="0"/>
-              <a:t>. </a:t>
-            </a:r>
-          </a:p>
-          <a:p>
-            <a:r>
-              <a:rPr lang="de-DE" baseline="0" dirty="0"/>
-              <a:t>Light </a:t>
-            </a:r>
-            <a:r>
-              <a:rPr lang="de-DE" baseline="0" dirty="0" err="1"/>
-              <a:t>weight</a:t>
-            </a:r>
-            <a:r>
-              <a:rPr lang="de-DE" baseline="0" dirty="0"/>
-              <a:t> bedeutet, dass die daten zwar komprimiert werden, aber noch so dass damit gearbeitet werden kann ohne sie wieder zu dekomprimieren (durch Indexe). </a:t>
-            </a:r>
-          </a:p>
-          <a:p>
-            <a:r>
-              <a:rPr lang="de-DE" baseline="0" dirty="0"/>
-              <a:t>Funktionsweise: Werte mit großer Länge, Speicherbedarf wie Texte werden als Integer Wert gespeichert </a:t>
-            </a:r>
-          </a:p>
-          <a:p>
-            <a:pPr marL="171450" indent="-171450">
-              <a:buFontTx/>
-              <a:buChar char="-"/>
-            </a:pPr>
-            <a:r>
-              <a:rPr lang="de-DE" baseline="0" dirty="0"/>
-              <a:t>Jedem String ein Integer zugeordnet</a:t>
-            </a:r>
-          </a:p>
-          <a:p>
-            <a:pPr marL="171450" indent="-171450">
-              <a:buFontTx/>
-              <a:buChar char="-"/>
-            </a:pPr>
-            <a:r>
-              <a:rPr lang="de-DE" baseline="0" dirty="0"/>
-              <a:t>Integer statt Strings in Attribut Vector gespeichert</a:t>
-            </a:r>
-          </a:p>
-          <a:p>
-            <a:pPr marL="171450" indent="-171450">
-              <a:buFontTx/>
-              <a:buChar char="-"/>
-            </a:pPr>
-            <a:r>
-              <a:rPr lang="de-DE" baseline="0" dirty="0"/>
-              <a:t>Prozessor auf Integer Werte ausgelegt, kann diese schneller verarbeiten</a:t>
-            </a:r>
-          </a:p>
-          <a:p>
-            <a:pPr marL="171450" indent="-171450">
-              <a:buFontTx/>
-              <a:buChar char="-"/>
-            </a:pPr>
-            <a:r>
-              <a:rPr lang="de-DE" baseline="0" dirty="0"/>
-              <a:t>Weiterer Vorteil durch Sortierung (Binärsuche möglich) aber schlecht bei Anfügen von neuen Werten da immer wieder neu sortiert werden muss</a:t>
-            </a:r>
-          </a:p>
-          <a:p>
-            <a:pPr marL="171450" indent="-171450">
-              <a:buFontTx/>
-              <a:buChar char="-"/>
-            </a:pPr>
-            <a:r>
-              <a:rPr lang="de-DE" baseline="0" dirty="0"/>
-              <a:t> </a:t>
-            </a:r>
+              <a:rPr lang="de-DE" dirty="0" smtClean="0"/>
+              <a:t>https://www.datastax.com/2015/12/storage-engine-30</a:t>
+            </a:r>
+          </a:p>
+          <a:p>
+            <a:r>
+              <a:rPr lang="de-DE" dirty="0" smtClean="0"/>
+              <a:t>Quelle https://www.bigdata-insider.de/</a:t>
+            </a:r>
+          </a:p>
+          <a:p>
+            <a:r>
+              <a:rPr lang="de-DE" dirty="0" smtClean="0"/>
+              <a:t>grundlagen-der-</a:t>
+            </a:r>
+            <a:r>
+              <a:rPr lang="de-DE" dirty="0" err="1" smtClean="0"/>
+              <a:t>nosql</a:t>
+            </a:r>
+            <a:r>
+              <a:rPr lang="de-DE" dirty="0" smtClean="0"/>
+              <a:t>-</a:t>
+            </a:r>
+          </a:p>
+          <a:p>
+            <a:r>
+              <a:rPr lang="de-DE" dirty="0" smtClean="0"/>
+              <a:t>datenbank-apache-cassandra-a-512231/ </a:t>
+            </a:r>
+          </a:p>
+          <a:p>
+            <a:endParaRPr lang="de-DE" dirty="0"/>
           </a:p>
         </p:txBody>
       </p:sp>
@@ -12420,7 +13533,7 @@
             <a:fld id="{AB9EDB5D-BD4B-C740-8F6C-B28044BEA9E4}" type="slidenum">
               <a:rPr lang="de-DE" smtClean="0"/>
               <a:pPr/>
-              <a:t>30</a:t>
+              <a:t>27</a:t>
             </a:fld>
             <a:endParaRPr lang="de-DE"/>
           </a:p>
@@ -12429,7 +13542,7 @@
     </p:spTree>
     <p:extLst>
       <p:ext uri="{BB962C8B-B14F-4D97-AF65-F5344CB8AC3E}">
-        <p14:creationId xmlns:p14="http://schemas.microsoft.com/office/powerpoint/2010/main" val="3836268537"/>
+        <p14:creationId xmlns:p14="http://schemas.microsoft.com/office/powerpoint/2010/main" val="2780575703"/>
       </p:ext>
     </p:extLst>
   </p:cSld>
@@ -12485,115 +13598,98 @@
           <a:p>
             <a:r>
               <a:rPr lang="de-DE" dirty="0"/>
-              <a:t>Blade</a:t>
+              <a:t>Dictionary</a:t>
             </a:r>
             <a:r>
               <a:rPr lang="de-DE" baseline="0" dirty="0"/>
-              <a:t> ist ein Server der </a:t>
-            </a:r>
-            <a:endParaRPr lang="de-DE" baseline="0" dirty="0" smtClean="0"/>
-          </a:p>
-          <a:p>
-            <a:endParaRPr lang="de-DE" baseline="0" dirty="0" smtClean="0"/>
-          </a:p>
-          <a:p>
-            <a:r>
-              <a:rPr lang="de-DE" baseline="0" dirty="0" smtClean="0"/>
-              <a:t>kompakt </a:t>
+              <a:t> ist eine Komprimierung vom typ light-</a:t>
+            </a:r>
+            <a:r>
+              <a:rPr lang="de-DE" baseline="0" dirty="0" err="1"/>
+              <a:t>weight</a:t>
             </a:r>
             <a:r>
               <a:rPr lang="de-DE" baseline="0" dirty="0"/>
-              <a:t>gebaut aber sehr leistungsfähig für seine Größe </a:t>
-            </a:r>
-            <a:r>
-              <a:rPr lang="de-DE" baseline="0" dirty="0" smtClean="0"/>
-              <a:t>ist</a:t>
-            </a:r>
-          </a:p>
-          <a:p>
-            <a:endParaRPr lang="de-DE" baseline="0" dirty="0" smtClean="0"/>
-          </a:p>
-          <a:p>
-            <a:r>
-              <a:rPr lang="de-DE" dirty="0" err="1" smtClean="0"/>
-              <a:t>Memcached</a:t>
-            </a:r>
-            <a:r>
-              <a:rPr lang="de-DE" dirty="0" smtClean="0"/>
-              <a:t> Server können zu Cluster verbunden werden</a:t>
-            </a:r>
-          </a:p>
-          <a:p>
-            <a:pPr marL="0" indent="0">
-              <a:buNone/>
+              <a:t> </a:t>
+            </a:r>
+            <a:r>
+              <a:rPr lang="de-DE" baseline="0" dirty="0" err="1"/>
+              <a:t>komprimierung</a:t>
+            </a:r>
+            <a:r>
+              <a:rPr lang="de-DE" baseline="0" dirty="0"/>
+              <a:t>. </a:t>
+            </a:r>
+          </a:p>
+          <a:p>
+            <a:r>
+              <a:rPr lang="de-DE" baseline="0" dirty="0"/>
+              <a:t>Light </a:t>
+            </a:r>
+            <a:r>
+              <a:rPr lang="de-DE" baseline="0" dirty="0" err="1"/>
+              <a:t>weight</a:t>
+            </a:r>
+            <a:r>
+              <a:rPr lang="de-DE" baseline="0" dirty="0"/>
+              <a:t> bedeutet, dass die daten zwar komprimiert werden, aber noch so dass damit gearbeitet werden kann ohne sie wieder zu dekomprimieren (durch Indexe). </a:t>
+            </a:r>
+          </a:p>
+          <a:p>
+            <a:r>
+              <a:rPr lang="de-DE" baseline="0" dirty="0"/>
+              <a:t>Funktionsweise: Werte mit großer Länge, Speicherbedarf wie Texte werden als Integer Wert gespeichert </a:t>
+            </a:r>
+          </a:p>
+          <a:p>
+            <a:pPr marL="171450" indent="-171450">
+              <a:buFontTx/>
+              <a:buChar char="-"/>
             </a:pPr>
-            <a:endParaRPr lang="de-DE" dirty="0" smtClean="0"/>
-          </a:p>
-          <a:p>
-            <a:r>
-              <a:rPr lang="de-DE" dirty="0" smtClean="0"/>
-              <a:t>Jeder Server wird so zu einem Knoten in diesem Cluster</a:t>
-            </a:r>
-          </a:p>
-          <a:p>
-            <a:endParaRPr lang="de-DE" dirty="0" smtClean="0"/>
-          </a:p>
-          <a:p>
-            <a:r>
-              <a:rPr lang="de-DE" dirty="0" smtClean="0"/>
-              <a:t>Die vorgeschalteten Bibliotheken verwalten die Vergabe der Daten an die Knoten</a:t>
-            </a:r>
-          </a:p>
-          <a:p>
-            <a:endParaRPr lang="de-DE" dirty="0" smtClean="0"/>
-          </a:p>
-          <a:p>
-            <a:endParaRPr lang="de-DE" dirty="0" smtClean="0"/>
-          </a:p>
-          <a:p>
-            <a:r>
-              <a:rPr lang="de-DE" kern="0" dirty="0" smtClean="0"/>
-              <a:t>Dazu kann im Programm (z.B.: auf dem Webserver) eine Liste von </a:t>
-            </a:r>
-            <a:r>
-              <a:rPr lang="de-DE" kern="0" dirty="0" err="1" smtClean="0"/>
-              <a:t>IP's</a:t>
-            </a:r>
-            <a:r>
-              <a:rPr lang="de-DE" kern="0" dirty="0" smtClean="0"/>
-              <a:t>, </a:t>
-            </a:r>
-            <a:r>
-              <a:rPr lang="de-DE" kern="0" dirty="0" err="1" smtClean="0"/>
-              <a:t>Port's</a:t>
-            </a:r>
-            <a:r>
-              <a:rPr lang="de-DE" kern="0" dirty="0" smtClean="0"/>
-              <a:t>, User-Daten der beteiligten </a:t>
-            </a:r>
-            <a:r>
-              <a:rPr lang="de-DE" kern="0" dirty="0" err="1" smtClean="0"/>
-              <a:t>Memcached</a:t>
-            </a:r>
-            <a:r>
-              <a:rPr lang="de-DE" kern="0" dirty="0" smtClean="0"/>
-              <a:t> Server angegeben werden</a:t>
-            </a:r>
-          </a:p>
-          <a:p>
-            <a:endParaRPr lang="de-DE" kern="0" dirty="0" smtClean="0"/>
-          </a:p>
-          <a:p>
-            <a:r>
-              <a:rPr lang="de-DE" dirty="0" smtClean="0"/>
-              <a:t>Optimiert RAM Ausnutzung</a:t>
-            </a:r>
-          </a:p>
-          <a:p>
-            <a:endParaRPr lang="de-DE" dirty="0" smtClean="0"/>
-          </a:p>
-          <a:p>
-            <a:endParaRPr lang="de-DE" dirty="0"/>
+            <a:r>
+              <a:rPr lang="de-DE" baseline="0" dirty="0"/>
+              <a:t>Jedem String ein Integer zugeordnet</a:t>
+            </a:r>
+          </a:p>
+          <a:p>
+            <a:pPr marL="171450" indent="-171450">
+              <a:buFontTx/>
+              <a:buChar char="-"/>
+            </a:pPr>
+            <a:r>
+              <a:rPr lang="de-DE" baseline="0" dirty="0"/>
+              <a:t>Integer statt Strings in Attribut Vector gespeichert</a:t>
+            </a:r>
+          </a:p>
+          <a:p>
+            <a:pPr marL="171450" indent="-171450">
+              <a:buFontTx/>
+              <a:buChar char="-"/>
+            </a:pPr>
+            <a:r>
+              <a:rPr lang="de-DE" baseline="0" dirty="0"/>
+              <a:t>Prozessor auf Integer Werte ausgelegt, kann diese schneller verarbeiten</a:t>
+            </a:r>
+          </a:p>
+          <a:p>
+            <a:pPr marL="171450" indent="-171450">
+              <a:buFontTx/>
+              <a:buChar char="-"/>
+            </a:pPr>
+            <a:r>
+              <a:rPr lang="de-DE" baseline="0" dirty="0"/>
+              <a:t>Weiterer Vorteil durch Sortierung (Binärsuche möglich) aber schlecht bei Anfügen von neuen Werten da immer wieder neu sortiert werden muss</a:t>
+            </a:r>
+          </a:p>
+          <a:p>
+            <a:pPr marL="171450" indent="-171450">
+              <a:buFontTx/>
+              <a:buChar char="-"/>
+            </a:pPr>
+            <a:r>
+              <a:rPr lang="de-DE" baseline="0" dirty="0"/>
+              <a:t> </a:t>
+            </a:r>
           </a:p>
         </p:txBody>
       </p:sp>
@@ -12615,6 +13711,201 @@
             <a:fld id="{AB9EDB5D-BD4B-C740-8F6C-B28044BEA9E4}" type="slidenum">
               <a:rPr lang="de-DE" smtClean="0"/>
               <a:pPr/>
+              <a:t>30</a:t>
+            </a:fld>
+            <a:endParaRPr lang="de-DE"/>
+          </a:p>
+        </p:txBody>
+      </p:sp>
+    </p:spTree>
+    <p:extLst>
+      <p:ext uri="{BB962C8B-B14F-4D97-AF65-F5344CB8AC3E}">
+        <p14:creationId xmlns:p14="http://schemas.microsoft.com/office/powerpoint/2010/main" val="3836268537"/>
+      </p:ext>
+    </p:extLst>
+  </p:cSld>
+  <p:clrMapOvr>
+    <a:masterClrMapping/>
+  </p:clrMapOvr>
+</p:notes>
+</file>
+
+<file path=ppt/notesSlides/notesSlide16.xml><?xml version="1.0" encoding="utf-8"?>
+<p:notes xmlns:a="http://schemas.openxmlformats.org/drawingml/2006/main" xmlns:r="http://schemas.openxmlformats.org/officeDocument/2006/relationships" xmlns:p="http://schemas.openxmlformats.org/presentationml/2006/main">
+  <p:cSld>
+    <p:spTree>
+      <p:nvGrpSpPr>
+        <p:cNvPr id="1" name=""/>
+        <p:cNvGrpSpPr/>
+        <p:nvPr/>
+      </p:nvGrpSpPr>
+      <p:grpSpPr>
+        <a:xfrm>
+          <a:off x="0" y="0"/>
+          <a:ext cx="0" cy="0"/>
+          <a:chOff x="0" y="0"/>
+          <a:chExt cx="0" cy="0"/>
+        </a:xfrm>
+      </p:grpSpPr>
+      <p:sp>
+        <p:nvSpPr>
+          <p:cNvPr id="2" name="Folienbildplatzhalter 1"/>
+          <p:cNvSpPr>
+            <a:spLocks noGrp="1" noRot="1" noChangeAspect="1"/>
+          </p:cNvSpPr>
+          <p:nvPr>
+            <p:ph type="sldImg"/>
+          </p:nvPr>
+        </p:nvSpPr>
+        <p:spPr/>
+      </p:sp>
+      <p:sp>
+        <p:nvSpPr>
+          <p:cNvPr id="3" name="Notizenplatzhalter 2"/>
+          <p:cNvSpPr>
+            <a:spLocks noGrp="1"/>
+          </p:cNvSpPr>
+          <p:nvPr>
+            <p:ph type="body" idx="1"/>
+          </p:nvPr>
+        </p:nvSpPr>
+        <p:spPr/>
+        <p:txBody>
+          <a:bodyPr/>
+          <a:lstStyle/>
+          <a:p>
+            <a:r>
+              <a:rPr lang="de-DE" dirty="0"/>
+              <a:t>Blade</a:t>
+            </a:r>
+            <a:r>
+              <a:rPr lang="de-DE" baseline="0" dirty="0"/>
+              <a:t> ist ein Server der </a:t>
+            </a:r>
+            <a:endParaRPr lang="de-DE" baseline="0" dirty="0" smtClean="0"/>
+          </a:p>
+          <a:p>
+            <a:endParaRPr lang="de-DE" baseline="0" dirty="0" smtClean="0"/>
+          </a:p>
+          <a:p>
+            <a:r>
+              <a:rPr lang="de-DE" baseline="0" dirty="0" smtClean="0"/>
+              <a:t>kompakt </a:t>
+            </a:r>
+            <a:r>
+              <a:rPr lang="de-DE" baseline="0" dirty="0"/>
+              <a:t>gebaut aber sehr leistungsfähig für seine Größe </a:t>
+            </a:r>
+            <a:r>
+              <a:rPr lang="de-DE" baseline="0" dirty="0" smtClean="0"/>
+              <a:t>ist</a:t>
+            </a:r>
+          </a:p>
+          <a:p>
+            <a:endParaRPr lang="de-DE" baseline="0" dirty="0" smtClean="0"/>
+          </a:p>
+          <a:p>
+            <a:r>
+              <a:rPr lang="de-DE" dirty="0" err="1" smtClean="0"/>
+              <a:t>Memcached</a:t>
+            </a:r>
+            <a:r>
+              <a:rPr lang="de-DE" dirty="0" smtClean="0"/>
+              <a:t> Server können zu Cluster verbunden werden</a:t>
+            </a:r>
+          </a:p>
+          <a:p>
+            <a:pPr marL="0" indent="0">
+              <a:buNone/>
+            </a:pPr>
+            <a:endParaRPr lang="de-DE" dirty="0" smtClean="0"/>
+          </a:p>
+          <a:p>
+            <a:r>
+              <a:rPr lang="de-DE" dirty="0" smtClean="0"/>
+              <a:t>Jeder Server wird so zu einem Knoten in diesem Cluster</a:t>
+            </a:r>
+          </a:p>
+          <a:p>
+            <a:endParaRPr lang="de-DE" dirty="0" smtClean="0"/>
+          </a:p>
+          <a:p>
+            <a:r>
+              <a:rPr lang="de-DE" dirty="0" smtClean="0"/>
+              <a:t>Die vorgeschalteten Bibliotheken verwalten die Vergabe der Daten an die Knoten</a:t>
+            </a:r>
+          </a:p>
+          <a:p>
+            <a:endParaRPr lang="de-DE" dirty="0" smtClean="0"/>
+          </a:p>
+          <a:p>
+            <a:endParaRPr lang="de-DE" dirty="0" smtClean="0"/>
+          </a:p>
+          <a:p>
+            <a:r>
+              <a:rPr lang="de-DE" kern="0" dirty="0" smtClean="0"/>
+              <a:t>Dazu kann im Programm (z.B.: auf dem Webserver) eine Liste von </a:t>
+            </a:r>
+            <a:r>
+              <a:rPr lang="de-DE" kern="0" dirty="0" err="1" smtClean="0"/>
+              <a:t>IP's</a:t>
+            </a:r>
+            <a:r>
+              <a:rPr lang="de-DE" kern="0" dirty="0" smtClean="0"/>
+              <a:t>, </a:t>
+            </a:r>
+            <a:r>
+              <a:rPr lang="de-DE" kern="0" dirty="0" err="1" smtClean="0"/>
+              <a:t>Port's</a:t>
+            </a:r>
+            <a:r>
+              <a:rPr lang="de-DE" kern="0" dirty="0" smtClean="0"/>
+              <a:t>, User-Daten der beteiligten </a:t>
+            </a:r>
+            <a:r>
+              <a:rPr lang="de-DE" kern="0" dirty="0" err="1" smtClean="0"/>
+              <a:t>Memcached</a:t>
+            </a:r>
+            <a:r>
+              <a:rPr lang="de-DE" kern="0" dirty="0" smtClean="0"/>
+              <a:t> Server angegeben werden</a:t>
+            </a:r>
+          </a:p>
+          <a:p>
+            <a:endParaRPr lang="de-DE" kern="0" dirty="0" smtClean="0"/>
+          </a:p>
+          <a:p>
+            <a:r>
+              <a:rPr lang="de-DE" dirty="0" smtClean="0"/>
+              <a:t>Optimiert RAM Ausnutzung</a:t>
+            </a:r>
+          </a:p>
+          <a:p>
+            <a:endParaRPr lang="de-DE" dirty="0" smtClean="0"/>
+          </a:p>
+          <a:p>
+            <a:endParaRPr lang="de-DE" dirty="0"/>
+          </a:p>
+        </p:txBody>
+      </p:sp>
+      <p:sp>
+        <p:nvSpPr>
+          <p:cNvPr id="4" name="Foliennummernplatzhalter 3"/>
+          <p:cNvSpPr>
+            <a:spLocks noGrp="1"/>
+          </p:cNvSpPr>
+          <p:nvPr>
+            <p:ph type="sldNum" sz="quarter" idx="10"/>
+          </p:nvPr>
+        </p:nvSpPr>
+        <p:spPr/>
+        <p:txBody>
+          <a:bodyPr/>
+          <a:lstStyle/>
+          <a:p>
+            <a:fld id="{AB9EDB5D-BD4B-C740-8F6C-B28044BEA9E4}" type="slidenum">
+              <a:rPr lang="de-DE" smtClean="0"/>
+              <a:pPr/>
               <a:t>31</a:t>
             </a:fld>
             <a:endParaRPr lang="de-DE"/>
@@ -12634,7 +13925,7 @@
 </p:notes>
 </file>
 
-<file path=ppt/notesSlides/notesSlide16.xml><?xml version="1.0" encoding="utf-8"?>
+<file path=ppt/notesSlides/notesSlide17.xml><?xml version="1.0" encoding="utf-8"?>
 <p:notes xmlns:a="http://schemas.openxmlformats.org/drawingml/2006/main" xmlns:r="http://schemas.openxmlformats.org/officeDocument/2006/relationships" xmlns:p="http://schemas.openxmlformats.org/presentationml/2006/main">
   <p:cSld>
     <p:spTree>
@@ -13840,10 +15131,6 @@
           <a:bodyPr/>
           <a:lstStyle/>
           <a:p>
-            <a:r>
-              <a:rPr lang="de-DE" dirty="0" smtClean="0"/>
-              <a:t>Case Sensitiv</a:t>
-            </a:r>
             <a:endParaRPr lang="de-DE" dirty="0"/>
           </a:p>
         </p:txBody>
@@ -13866,7 +15153,7 @@
             <a:fld id="{AB9EDB5D-BD4B-C740-8F6C-B28044BEA9E4}" type="slidenum">
               <a:rPr lang="de-DE" smtClean="0"/>
               <a:pPr/>
-              <a:t>20</a:t>
+              <a:t>19</a:t>
             </a:fld>
             <a:endParaRPr lang="de-DE"/>
           </a:p>
@@ -13875,7 +15162,7 @@
     </p:spTree>
     <p:extLst>
       <p:ext uri="{BB962C8B-B14F-4D97-AF65-F5344CB8AC3E}">
-        <p14:creationId xmlns:p14="http://schemas.microsoft.com/office/powerpoint/2010/main" val="1972024919"/>
+        <p14:creationId xmlns:p14="http://schemas.microsoft.com/office/powerpoint/2010/main" val="622809926"/>
       </p:ext>
     </p:extLst>
   </p:cSld>
@@ -13930,17 +15217,10 @@
           <a:lstStyle/>
           <a:p>
             <a:r>
-              <a:rPr lang="de-DE" dirty="0"/>
-              <a:t>Data und Log </a:t>
-            </a:r>
-            <a:r>
-              <a:rPr lang="de-DE" dirty="0" err="1"/>
-              <a:t>Volumes</a:t>
-            </a:r>
-            <a:r>
-              <a:rPr lang="de-DE" dirty="0"/>
-              <a:t> enthalten alle Änderungen der Daten</a:t>
-            </a:r>
+              <a:rPr lang="de-DE" dirty="0" smtClean="0"/>
+              <a:t>Case Sensitiv</a:t>
+            </a:r>
+            <a:endParaRPr lang="de-DE" dirty="0"/>
           </a:p>
         </p:txBody>
       </p:sp>
@@ -13962,7 +15242,7 @@
             <a:fld id="{AB9EDB5D-BD4B-C740-8F6C-B28044BEA9E4}" type="slidenum">
               <a:rPr lang="de-DE" smtClean="0"/>
               <a:pPr/>
-              <a:t>21</a:t>
+              <a:t>20</a:t>
             </a:fld>
             <a:endParaRPr lang="de-DE"/>
           </a:p>
@@ -13971,7 +15251,7 @@
     </p:spTree>
     <p:extLst>
       <p:ext uri="{BB962C8B-B14F-4D97-AF65-F5344CB8AC3E}">
-        <p14:creationId xmlns:p14="http://schemas.microsoft.com/office/powerpoint/2010/main" val="1366058345"/>
+        <p14:creationId xmlns:p14="http://schemas.microsoft.com/office/powerpoint/2010/main" val="1972024919"/>
       </p:ext>
     </p:extLst>
   </p:cSld>
@@ -15180,7 +16460,7 @@
           <p:cNvPr id="4" name="Textfeld 3">
             <a:extLst>
               <a:ext uri="{FF2B5EF4-FFF2-40B4-BE49-F238E27FC236}">
-                <a16:creationId xmlns="" xmlns:a16="http://schemas.microsoft.com/office/drawing/2014/main" id="{55A35DED-7D1A-4C8F-934D-D5CD3FC3279C}"/>
+                <a16:creationId xmlns:a16="http://schemas.microsoft.com/office/drawing/2014/main" id="{55A35DED-7D1A-4C8F-934D-D5CD3FC3279C}"/>
               </a:ext>
             </a:extLst>
           </p:cNvPr>
@@ -18394,7 +19674,7 @@
           <p:nvPr/>
         </p:nvPicPr>
         <p:blipFill>
-          <a:blip r:embed="rId2">
+          <a:blip r:embed="rId3">
             <a:extLst>
               <a:ext uri="{28A0092B-C50C-407E-A947-70E740481C1C}">
                 <a14:useLocalDpi xmlns:a14="http://schemas.microsoft.com/office/drawing/2010/main" val="0"/>
@@ -18407,14 +19687,46 @@
         </p:blipFill>
         <p:spPr>
           <a:xfrm>
-            <a:off x="108027" y="0"/>
-            <a:ext cx="8927945" cy="6858000"/>
+            <a:off x="0" y="-1"/>
+            <a:ext cx="5870106" cy="4509121"/>
           </a:xfrm>
           <a:prstGeom prst="rect">
             <a:avLst/>
           </a:prstGeom>
         </p:spPr>
       </p:pic>
+      <p:sp>
+        <p:nvSpPr>
+          <p:cNvPr id="6" name="Inhaltsplatzhalter 1"/>
+          <p:cNvSpPr>
+            <a:spLocks noGrp="1"/>
+          </p:cNvSpPr>
+          <p:nvPr>
+            <p:ph idx="1"/>
+          </p:nvPr>
+        </p:nvSpPr>
+        <p:spPr>
+          <a:xfrm>
+            <a:off x="1446453" y="2277057"/>
+            <a:ext cx="7751253" cy="4904928"/>
+          </a:xfrm>
+        </p:spPr>
+        <p:txBody>
+          <a:bodyPr/>
+          <a:lstStyle/>
+          <a:p>
+            <a:pPr marL="0" indent="0">
+              <a:buNone/>
+            </a:pPr>
+            <a:endParaRPr lang="de-DE" sz="1600" dirty="0">
+              <a:solidFill>
+                <a:srgbClr val="3F5FBF"/>
+              </a:solidFill>
+              <a:latin typeface="Courier New" panose="02070309020205020404" pitchFamily="49" charset="0"/>
+            </a:endParaRPr>
+          </a:p>
+        </p:txBody>
+      </p:sp>
     </p:spTree>
     <p:extLst>
       <p:ext uri="{BB962C8B-B14F-4D97-AF65-F5344CB8AC3E}">
@@ -18655,7 +19967,7 @@
       </p:sp>
       <p:sp>
         <p:nvSpPr>
-          <p:cNvPr id="2" name="Inhaltsplatzhalter 1"/>
+          <p:cNvPr id="5" name="Inhaltsplatzhalter 4"/>
           <p:cNvSpPr>
             <a:spLocks noGrp="1"/>
           </p:cNvSpPr>
@@ -18668,698 +19980,7 @@
           <a:bodyPr/>
           <a:lstStyle/>
           <a:p>
-            <a:pPr marL="0" indent="0">
-              <a:buNone/>
-            </a:pPr>
-            <a:r>
-              <a:rPr lang="de-DE" sz="1600" b="1" dirty="0">
-                <a:solidFill>
-                  <a:srgbClr val="7F0055"/>
-                </a:solidFill>
-                <a:latin typeface="Courier New" panose="02070309020205020404" pitchFamily="49" charset="0"/>
-              </a:rPr>
-              <a:t>CREATE</a:t>
-            </a:r>
-            <a:r>
-              <a:rPr lang="de-DE" sz="1600" b="1" dirty="0">
-                <a:solidFill>
-                  <a:srgbClr val="000000"/>
-                </a:solidFill>
-                <a:latin typeface="Courier New" panose="02070309020205020404" pitchFamily="49" charset="0"/>
-              </a:rPr>
-              <a:t> </a:t>
-            </a:r>
-            <a:r>
-              <a:rPr lang="de-DE" sz="1600" b="1" dirty="0">
-                <a:solidFill>
-                  <a:srgbClr val="7F0055"/>
-                </a:solidFill>
-                <a:latin typeface="Courier New" panose="02070309020205020404" pitchFamily="49" charset="0"/>
-              </a:rPr>
-              <a:t>TABLE</a:t>
-            </a:r>
-            <a:r>
-              <a:rPr lang="de-DE" sz="1600" b="1" dirty="0">
-                <a:solidFill>
-                  <a:srgbClr val="000000"/>
-                </a:solidFill>
-                <a:latin typeface="Courier New" panose="02070309020205020404" pitchFamily="49" charset="0"/>
-              </a:rPr>
-              <a:t> </a:t>
-            </a:r>
-            <a:r>
-              <a:rPr lang="de-DE" sz="1600" b="1" dirty="0">
-                <a:solidFill>
-                  <a:srgbClr val="2A00FF"/>
-                </a:solidFill>
-                <a:latin typeface="Courier New" panose="02070309020205020404" pitchFamily="49" charset="0"/>
-              </a:rPr>
-              <a:t>"XSA_ADMIN"</a:t>
-            </a:r>
-            <a:r>
-              <a:rPr lang="de-DE" sz="1600" b="1" dirty="0">
-                <a:solidFill>
-                  <a:srgbClr val="000000"/>
-                </a:solidFill>
-                <a:latin typeface="Courier New" panose="02070309020205020404" pitchFamily="49" charset="0"/>
-              </a:rPr>
-              <a:t>.</a:t>
-            </a:r>
-            <a:r>
-              <a:rPr lang="de-DE" sz="1600" b="1" dirty="0">
-                <a:solidFill>
-                  <a:srgbClr val="2A00FF"/>
-                </a:solidFill>
-                <a:latin typeface="Courier New" panose="02070309020205020404" pitchFamily="49" charset="0"/>
-              </a:rPr>
-              <a:t>"CUSTOMER_CS"</a:t>
-            </a:r>
-            <a:r>
-              <a:rPr lang="de-DE" sz="1600" b="1" dirty="0">
-                <a:solidFill>
-                  <a:srgbClr val="000000"/>
-                </a:solidFill>
-                <a:latin typeface="Courier New" panose="02070309020205020404" pitchFamily="49" charset="0"/>
-              </a:rPr>
-              <a:t> (</a:t>
-            </a:r>
-          </a:p>
-          <a:p>
-            <a:pPr marL="0" indent="0">
-              <a:buNone/>
-            </a:pPr>
-            <a:r>
-              <a:rPr lang="de-DE" sz="1600" dirty="0">
-                <a:solidFill>
-                  <a:srgbClr val="000000"/>
-                </a:solidFill>
-                <a:latin typeface="Courier New" panose="02070309020205020404" pitchFamily="49" charset="0"/>
-              </a:rPr>
-              <a:t>   C_CUSTKEY            </a:t>
-            </a:r>
-            <a:r>
-              <a:rPr lang="de-DE" sz="1600" b="1" dirty="0">
-                <a:solidFill>
-                  <a:srgbClr val="000080"/>
-                </a:solidFill>
-                <a:latin typeface="Courier New" panose="02070309020205020404" pitchFamily="49" charset="0"/>
-              </a:rPr>
-              <a:t>integer</a:t>
-            </a:r>
-            <a:r>
-              <a:rPr lang="de-DE" sz="1600" b="1" dirty="0">
-                <a:solidFill>
-                  <a:srgbClr val="000000"/>
-                </a:solidFill>
-                <a:latin typeface="Courier New" panose="02070309020205020404" pitchFamily="49" charset="0"/>
-              </a:rPr>
-              <a:t>                        </a:t>
-            </a:r>
-            <a:r>
-              <a:rPr lang="de-DE" sz="1600" b="1" dirty="0">
-                <a:solidFill>
-                  <a:srgbClr val="7F0055"/>
-                </a:solidFill>
-                <a:latin typeface="Courier New" panose="02070309020205020404" pitchFamily="49" charset="0"/>
-              </a:rPr>
-              <a:t>not</a:t>
-            </a:r>
-            <a:r>
-              <a:rPr lang="de-DE" sz="1600" b="1" dirty="0">
-                <a:solidFill>
-                  <a:srgbClr val="000000"/>
-                </a:solidFill>
-                <a:latin typeface="Courier New" panose="02070309020205020404" pitchFamily="49" charset="0"/>
-              </a:rPr>
-              <a:t> </a:t>
-            </a:r>
-            <a:r>
-              <a:rPr lang="de-DE" sz="1600" b="1" dirty="0">
-                <a:solidFill>
-                  <a:srgbClr val="7F0055"/>
-                </a:solidFill>
-                <a:latin typeface="Courier New" panose="02070309020205020404" pitchFamily="49" charset="0"/>
-              </a:rPr>
-              <a:t>null</a:t>
-            </a:r>
-            <a:r>
-              <a:rPr lang="de-DE" sz="1600" b="1" dirty="0">
-                <a:solidFill>
-                  <a:srgbClr val="000000"/>
-                </a:solidFill>
-                <a:latin typeface="Courier New" panose="02070309020205020404" pitchFamily="49" charset="0"/>
-              </a:rPr>
-              <a:t>,</a:t>
-            </a:r>
-          </a:p>
-          <a:p>
-            <a:pPr marL="0" indent="0">
-              <a:buNone/>
-            </a:pPr>
-            <a:r>
-              <a:rPr lang="de-DE" sz="1600" dirty="0">
-                <a:solidFill>
-                  <a:srgbClr val="000000"/>
-                </a:solidFill>
-                <a:latin typeface="Courier New" panose="02070309020205020404" pitchFamily="49" charset="0"/>
-              </a:rPr>
-              <a:t>   C_NAME               </a:t>
-            </a:r>
-            <a:r>
-              <a:rPr lang="de-DE" sz="1600" b="1" dirty="0">
-                <a:solidFill>
-                  <a:srgbClr val="000080"/>
-                </a:solidFill>
-                <a:latin typeface="Courier New" panose="02070309020205020404" pitchFamily="49" charset="0"/>
-              </a:rPr>
-              <a:t>varchar</a:t>
-            </a:r>
-            <a:r>
-              <a:rPr lang="de-DE" sz="1600" b="1" dirty="0">
-                <a:solidFill>
-                  <a:srgbClr val="000000"/>
-                </a:solidFill>
-                <a:latin typeface="Courier New" panose="02070309020205020404" pitchFamily="49" charset="0"/>
-              </a:rPr>
-              <a:t>(25)                    </a:t>
-            </a:r>
-            <a:r>
-              <a:rPr lang="de-DE" sz="1600" b="1" dirty="0">
-                <a:solidFill>
-                  <a:srgbClr val="7F0055"/>
-                </a:solidFill>
-                <a:latin typeface="Courier New" panose="02070309020205020404" pitchFamily="49" charset="0"/>
-              </a:rPr>
-              <a:t>not</a:t>
-            </a:r>
-            <a:r>
-              <a:rPr lang="de-DE" sz="1600" b="1" dirty="0">
-                <a:solidFill>
-                  <a:srgbClr val="000000"/>
-                </a:solidFill>
-                <a:latin typeface="Courier New" panose="02070309020205020404" pitchFamily="49" charset="0"/>
-              </a:rPr>
-              <a:t> </a:t>
-            </a:r>
-            <a:r>
-              <a:rPr lang="de-DE" sz="1600" b="1" dirty="0">
-                <a:solidFill>
-                  <a:srgbClr val="7F0055"/>
-                </a:solidFill>
-                <a:latin typeface="Courier New" panose="02070309020205020404" pitchFamily="49" charset="0"/>
-              </a:rPr>
-              <a:t>null</a:t>
-            </a:r>
-            <a:r>
-              <a:rPr lang="de-DE" sz="1600" b="1" dirty="0">
-                <a:solidFill>
-                  <a:srgbClr val="000000"/>
-                </a:solidFill>
-                <a:latin typeface="Courier New" panose="02070309020205020404" pitchFamily="49" charset="0"/>
-              </a:rPr>
-              <a:t>,</a:t>
-            </a:r>
-          </a:p>
-          <a:p>
-            <a:pPr marL="0" indent="0">
-              <a:buNone/>
-            </a:pPr>
-            <a:r>
-              <a:rPr lang="de-DE" sz="1600" dirty="0">
-                <a:solidFill>
-                  <a:srgbClr val="000000"/>
-                </a:solidFill>
-                <a:latin typeface="Courier New" panose="02070309020205020404" pitchFamily="49" charset="0"/>
-              </a:rPr>
-              <a:t>   C_ADDRESS            </a:t>
-            </a:r>
-            <a:r>
-              <a:rPr lang="de-DE" sz="1600" b="1" dirty="0">
-                <a:solidFill>
-                  <a:srgbClr val="000080"/>
-                </a:solidFill>
-                <a:latin typeface="Courier New" panose="02070309020205020404" pitchFamily="49" charset="0"/>
-              </a:rPr>
-              <a:t>varchar</a:t>
-            </a:r>
-            <a:r>
-              <a:rPr lang="de-DE" sz="1600" b="1" dirty="0">
-                <a:solidFill>
-                  <a:srgbClr val="000000"/>
-                </a:solidFill>
-                <a:latin typeface="Courier New" panose="02070309020205020404" pitchFamily="49" charset="0"/>
-              </a:rPr>
-              <a:t>(40)                    </a:t>
-            </a:r>
-            <a:r>
-              <a:rPr lang="de-DE" sz="1600" b="1" dirty="0">
-                <a:solidFill>
-                  <a:srgbClr val="7F0055"/>
-                </a:solidFill>
-                <a:latin typeface="Courier New" panose="02070309020205020404" pitchFamily="49" charset="0"/>
-              </a:rPr>
-              <a:t>not</a:t>
-            </a:r>
-            <a:r>
-              <a:rPr lang="de-DE" sz="1600" b="1" dirty="0">
-                <a:solidFill>
-                  <a:srgbClr val="000000"/>
-                </a:solidFill>
-                <a:latin typeface="Courier New" panose="02070309020205020404" pitchFamily="49" charset="0"/>
-              </a:rPr>
-              <a:t> </a:t>
-            </a:r>
-            <a:r>
-              <a:rPr lang="de-DE" sz="1600" b="1" dirty="0">
-                <a:solidFill>
-                  <a:srgbClr val="7F0055"/>
-                </a:solidFill>
-                <a:latin typeface="Courier New" panose="02070309020205020404" pitchFamily="49" charset="0"/>
-              </a:rPr>
-              <a:t>null</a:t>
-            </a:r>
-            <a:r>
-              <a:rPr lang="de-DE" sz="1600" b="1" dirty="0">
-                <a:solidFill>
-                  <a:srgbClr val="000000"/>
-                </a:solidFill>
-                <a:latin typeface="Courier New" panose="02070309020205020404" pitchFamily="49" charset="0"/>
-              </a:rPr>
-              <a:t>,</a:t>
-            </a:r>
-          </a:p>
-          <a:p>
-            <a:pPr marL="0" indent="0">
-              <a:buNone/>
-            </a:pPr>
-            <a:r>
-              <a:rPr lang="de-DE" sz="1600" dirty="0">
-                <a:solidFill>
-                  <a:srgbClr val="000000"/>
-                </a:solidFill>
-                <a:latin typeface="Courier New" panose="02070309020205020404" pitchFamily="49" charset="0"/>
-              </a:rPr>
-              <a:t>   C_NATIONKEY          </a:t>
-            </a:r>
-            <a:r>
-              <a:rPr lang="de-DE" sz="1600" b="1" dirty="0">
-                <a:solidFill>
-                  <a:srgbClr val="000080"/>
-                </a:solidFill>
-                <a:latin typeface="Courier New" panose="02070309020205020404" pitchFamily="49" charset="0"/>
-              </a:rPr>
-              <a:t>integer</a:t>
-            </a:r>
-            <a:r>
-              <a:rPr lang="de-DE" sz="1600" b="1" dirty="0">
-                <a:solidFill>
-                  <a:srgbClr val="000000"/>
-                </a:solidFill>
-                <a:latin typeface="Courier New" panose="02070309020205020404" pitchFamily="49" charset="0"/>
-              </a:rPr>
-              <a:t>                        </a:t>
-            </a:r>
-            <a:r>
-              <a:rPr lang="de-DE" sz="1600" b="1" dirty="0">
-                <a:solidFill>
-                  <a:srgbClr val="7F0055"/>
-                </a:solidFill>
-                <a:latin typeface="Courier New" panose="02070309020205020404" pitchFamily="49" charset="0"/>
-              </a:rPr>
-              <a:t>not</a:t>
-            </a:r>
-            <a:r>
-              <a:rPr lang="de-DE" sz="1600" b="1" dirty="0">
-                <a:solidFill>
-                  <a:srgbClr val="000000"/>
-                </a:solidFill>
-                <a:latin typeface="Courier New" panose="02070309020205020404" pitchFamily="49" charset="0"/>
-              </a:rPr>
-              <a:t> </a:t>
-            </a:r>
-            <a:r>
-              <a:rPr lang="de-DE" sz="1600" b="1" dirty="0">
-                <a:solidFill>
-                  <a:srgbClr val="7F0055"/>
-                </a:solidFill>
-                <a:latin typeface="Courier New" panose="02070309020205020404" pitchFamily="49" charset="0"/>
-              </a:rPr>
-              <a:t>null</a:t>
-            </a:r>
-            <a:r>
-              <a:rPr lang="de-DE" sz="1600" b="1" dirty="0">
-                <a:solidFill>
-                  <a:srgbClr val="000000"/>
-                </a:solidFill>
-                <a:latin typeface="Courier New" panose="02070309020205020404" pitchFamily="49" charset="0"/>
-              </a:rPr>
-              <a:t>,</a:t>
-            </a:r>
-          </a:p>
-          <a:p>
-            <a:pPr marL="0" indent="0">
-              <a:buNone/>
-            </a:pPr>
-            <a:r>
-              <a:rPr lang="de-DE" sz="1600" dirty="0">
-                <a:solidFill>
-                  <a:srgbClr val="000000"/>
-                </a:solidFill>
-                <a:latin typeface="Courier New" panose="02070309020205020404" pitchFamily="49" charset="0"/>
-              </a:rPr>
-              <a:t>   C_PHONE              </a:t>
-            </a:r>
-            <a:r>
-              <a:rPr lang="de-DE" sz="1600" b="1" dirty="0">
-                <a:solidFill>
-                  <a:srgbClr val="000080"/>
-                </a:solidFill>
-                <a:latin typeface="Courier New" panose="02070309020205020404" pitchFamily="49" charset="0"/>
-              </a:rPr>
-              <a:t>char</a:t>
-            </a:r>
-            <a:r>
-              <a:rPr lang="de-DE" sz="1600" b="1" dirty="0">
-                <a:solidFill>
-                  <a:srgbClr val="000000"/>
-                </a:solidFill>
-                <a:latin typeface="Courier New" panose="02070309020205020404" pitchFamily="49" charset="0"/>
-              </a:rPr>
-              <a:t>(15)                       </a:t>
-            </a:r>
-            <a:r>
-              <a:rPr lang="de-DE" sz="1600" b="1" dirty="0">
-                <a:solidFill>
-                  <a:srgbClr val="7F0055"/>
-                </a:solidFill>
-                <a:latin typeface="Courier New" panose="02070309020205020404" pitchFamily="49" charset="0"/>
-              </a:rPr>
-              <a:t>not</a:t>
-            </a:r>
-            <a:r>
-              <a:rPr lang="de-DE" sz="1600" b="1" dirty="0">
-                <a:solidFill>
-                  <a:srgbClr val="000000"/>
-                </a:solidFill>
-                <a:latin typeface="Courier New" panose="02070309020205020404" pitchFamily="49" charset="0"/>
-              </a:rPr>
-              <a:t> </a:t>
-            </a:r>
-            <a:r>
-              <a:rPr lang="de-DE" sz="1600" b="1" dirty="0">
-                <a:solidFill>
-                  <a:srgbClr val="7F0055"/>
-                </a:solidFill>
-                <a:latin typeface="Courier New" panose="02070309020205020404" pitchFamily="49" charset="0"/>
-              </a:rPr>
-              <a:t>null</a:t>
-            </a:r>
-            <a:r>
-              <a:rPr lang="de-DE" sz="1600" b="1" dirty="0">
-                <a:solidFill>
-                  <a:srgbClr val="000000"/>
-                </a:solidFill>
-                <a:latin typeface="Courier New" panose="02070309020205020404" pitchFamily="49" charset="0"/>
-              </a:rPr>
-              <a:t>,</a:t>
-            </a:r>
-          </a:p>
-          <a:p>
-            <a:pPr marL="0" indent="0">
-              <a:buNone/>
-            </a:pPr>
-            <a:r>
-              <a:rPr lang="de-DE" sz="1600" dirty="0">
-                <a:solidFill>
-                  <a:srgbClr val="000000"/>
-                </a:solidFill>
-                <a:latin typeface="Courier New" panose="02070309020205020404" pitchFamily="49" charset="0"/>
-              </a:rPr>
-              <a:t>   C_ACCTBAL            </a:t>
-            </a:r>
-            <a:r>
-              <a:rPr lang="de-DE" sz="1600" b="1" dirty="0">
-                <a:solidFill>
-                  <a:srgbClr val="000080"/>
-                </a:solidFill>
-                <a:latin typeface="Courier New" panose="02070309020205020404" pitchFamily="49" charset="0"/>
-              </a:rPr>
-              <a:t>decimal</a:t>
-            </a:r>
-            <a:r>
-              <a:rPr lang="de-DE" sz="1600" b="1" dirty="0">
-                <a:solidFill>
-                  <a:srgbClr val="000000"/>
-                </a:solidFill>
-                <a:latin typeface="Courier New" panose="02070309020205020404" pitchFamily="49" charset="0"/>
-              </a:rPr>
-              <a:t>(15,2)                  </a:t>
-            </a:r>
-            <a:r>
-              <a:rPr lang="de-DE" sz="1600" b="1" dirty="0">
-                <a:solidFill>
-                  <a:srgbClr val="7F0055"/>
-                </a:solidFill>
-                <a:latin typeface="Courier New" panose="02070309020205020404" pitchFamily="49" charset="0"/>
-              </a:rPr>
-              <a:t>not</a:t>
-            </a:r>
-            <a:r>
-              <a:rPr lang="de-DE" sz="1600" b="1" dirty="0">
-                <a:solidFill>
-                  <a:srgbClr val="000000"/>
-                </a:solidFill>
-                <a:latin typeface="Courier New" panose="02070309020205020404" pitchFamily="49" charset="0"/>
-              </a:rPr>
-              <a:t> </a:t>
-            </a:r>
-            <a:r>
-              <a:rPr lang="de-DE" sz="1600" b="1" dirty="0">
-                <a:solidFill>
-                  <a:srgbClr val="7F0055"/>
-                </a:solidFill>
-                <a:latin typeface="Courier New" panose="02070309020205020404" pitchFamily="49" charset="0"/>
-              </a:rPr>
-              <a:t>null</a:t>
-            </a:r>
-            <a:r>
-              <a:rPr lang="de-DE" sz="1600" b="1" dirty="0">
-                <a:solidFill>
-                  <a:srgbClr val="000000"/>
-                </a:solidFill>
-                <a:latin typeface="Courier New" panose="02070309020205020404" pitchFamily="49" charset="0"/>
-              </a:rPr>
-              <a:t>,</a:t>
-            </a:r>
-          </a:p>
-          <a:p>
-            <a:pPr marL="0" indent="0">
-              <a:buNone/>
-            </a:pPr>
-            <a:r>
-              <a:rPr lang="de-DE" sz="1600" dirty="0">
-                <a:solidFill>
-                  <a:srgbClr val="000000"/>
-                </a:solidFill>
-                <a:latin typeface="Courier New" panose="02070309020205020404" pitchFamily="49" charset="0"/>
-              </a:rPr>
-              <a:t>   C_MKTSEGMENT         </a:t>
-            </a:r>
-            <a:r>
-              <a:rPr lang="de-DE" sz="1600" b="1" dirty="0">
-                <a:solidFill>
-                  <a:srgbClr val="000080"/>
-                </a:solidFill>
-                <a:latin typeface="Courier New" panose="02070309020205020404" pitchFamily="49" charset="0"/>
-              </a:rPr>
-              <a:t>char</a:t>
-            </a:r>
-            <a:r>
-              <a:rPr lang="de-DE" sz="1600" b="1" dirty="0">
-                <a:solidFill>
-                  <a:srgbClr val="000000"/>
-                </a:solidFill>
-                <a:latin typeface="Courier New" panose="02070309020205020404" pitchFamily="49" charset="0"/>
-              </a:rPr>
-              <a:t>(10)                       </a:t>
-            </a:r>
-            <a:r>
-              <a:rPr lang="de-DE" sz="1600" b="1" dirty="0">
-                <a:solidFill>
-                  <a:srgbClr val="7F0055"/>
-                </a:solidFill>
-                <a:latin typeface="Courier New" panose="02070309020205020404" pitchFamily="49" charset="0"/>
-              </a:rPr>
-              <a:t>not</a:t>
-            </a:r>
-            <a:r>
-              <a:rPr lang="de-DE" sz="1600" b="1" dirty="0">
-                <a:solidFill>
-                  <a:srgbClr val="000000"/>
-                </a:solidFill>
-                <a:latin typeface="Courier New" panose="02070309020205020404" pitchFamily="49" charset="0"/>
-              </a:rPr>
-              <a:t> </a:t>
-            </a:r>
-            <a:r>
-              <a:rPr lang="de-DE" sz="1600" b="1" dirty="0">
-                <a:solidFill>
-                  <a:srgbClr val="7F0055"/>
-                </a:solidFill>
-                <a:latin typeface="Courier New" panose="02070309020205020404" pitchFamily="49" charset="0"/>
-              </a:rPr>
-              <a:t>null</a:t>
-            </a:r>
-            <a:r>
-              <a:rPr lang="de-DE" sz="1600" b="1" dirty="0">
-                <a:solidFill>
-                  <a:srgbClr val="000000"/>
-                </a:solidFill>
-                <a:latin typeface="Courier New" panose="02070309020205020404" pitchFamily="49" charset="0"/>
-              </a:rPr>
-              <a:t>,</a:t>
-            </a:r>
-          </a:p>
-          <a:p>
-            <a:pPr marL="0" indent="0">
-              <a:buNone/>
-            </a:pPr>
-            <a:r>
-              <a:rPr lang="de-DE" sz="1600" dirty="0">
-                <a:solidFill>
-                  <a:srgbClr val="000000"/>
-                </a:solidFill>
-                <a:latin typeface="Courier New" panose="02070309020205020404" pitchFamily="49" charset="0"/>
-              </a:rPr>
-              <a:t>   C_COMMENT            </a:t>
-            </a:r>
-            <a:r>
-              <a:rPr lang="de-DE" sz="1600" b="1" dirty="0">
-                <a:solidFill>
-                  <a:srgbClr val="000080"/>
-                </a:solidFill>
-                <a:latin typeface="Courier New" panose="02070309020205020404" pitchFamily="49" charset="0"/>
-              </a:rPr>
-              <a:t>varchar</a:t>
-            </a:r>
-            <a:r>
-              <a:rPr lang="de-DE" sz="1600" b="1" dirty="0">
-                <a:solidFill>
-                  <a:srgbClr val="000000"/>
-                </a:solidFill>
-                <a:latin typeface="Courier New" panose="02070309020205020404" pitchFamily="49" charset="0"/>
-              </a:rPr>
-              <a:t>(117)                   </a:t>
-            </a:r>
-            <a:r>
-              <a:rPr lang="de-DE" sz="1600" b="1" dirty="0">
-                <a:solidFill>
-                  <a:srgbClr val="7F0055"/>
-                </a:solidFill>
-                <a:latin typeface="Courier New" panose="02070309020205020404" pitchFamily="49" charset="0"/>
-              </a:rPr>
-              <a:t>not</a:t>
-            </a:r>
-            <a:r>
-              <a:rPr lang="de-DE" sz="1600" b="1" dirty="0">
-                <a:solidFill>
-                  <a:srgbClr val="000000"/>
-                </a:solidFill>
-                <a:latin typeface="Courier New" panose="02070309020205020404" pitchFamily="49" charset="0"/>
-              </a:rPr>
-              <a:t> </a:t>
-            </a:r>
-            <a:r>
-              <a:rPr lang="de-DE" sz="1600" b="1" dirty="0">
-                <a:solidFill>
-                  <a:srgbClr val="7F0055"/>
-                </a:solidFill>
-                <a:latin typeface="Courier New" panose="02070309020205020404" pitchFamily="49" charset="0"/>
-              </a:rPr>
-              <a:t>null</a:t>
-            </a:r>
-            <a:r>
-              <a:rPr lang="de-DE" sz="1600" b="1" dirty="0">
-                <a:solidFill>
-                  <a:srgbClr val="000000"/>
-                </a:solidFill>
-                <a:latin typeface="Courier New" panose="02070309020205020404" pitchFamily="49" charset="0"/>
-              </a:rPr>
-              <a:t>,</a:t>
-            </a:r>
-          </a:p>
-          <a:p>
-            <a:pPr marL="0" indent="0">
-              <a:buNone/>
-            </a:pPr>
-            <a:r>
-              <a:rPr lang="de-DE" sz="1600" dirty="0">
-                <a:solidFill>
-                  <a:srgbClr val="000000"/>
-                </a:solidFill>
-                <a:latin typeface="Courier New" panose="02070309020205020404" pitchFamily="49" charset="0"/>
-              </a:rPr>
-              <a:t>   </a:t>
-            </a:r>
-            <a:r>
-              <a:rPr lang="de-DE" sz="1600" b="1" dirty="0">
-                <a:solidFill>
-                  <a:srgbClr val="7F0055"/>
-                </a:solidFill>
-                <a:latin typeface="Courier New" panose="02070309020205020404" pitchFamily="49" charset="0"/>
-              </a:rPr>
-              <a:t>primary</a:t>
-            </a:r>
-            <a:r>
-              <a:rPr lang="de-DE" sz="1600" b="1" dirty="0">
-                <a:solidFill>
-                  <a:srgbClr val="000000"/>
-                </a:solidFill>
-                <a:latin typeface="Courier New" panose="02070309020205020404" pitchFamily="49" charset="0"/>
-              </a:rPr>
-              <a:t> </a:t>
-            </a:r>
-            <a:r>
-              <a:rPr lang="de-DE" sz="1600" b="1" dirty="0">
-                <a:solidFill>
-                  <a:srgbClr val="7F0055"/>
-                </a:solidFill>
-                <a:latin typeface="Courier New" panose="02070309020205020404" pitchFamily="49" charset="0"/>
-              </a:rPr>
-              <a:t>key</a:t>
-            </a:r>
-            <a:r>
-              <a:rPr lang="de-DE" sz="1600" b="1" dirty="0">
-                <a:solidFill>
-                  <a:srgbClr val="000000"/>
-                </a:solidFill>
-                <a:latin typeface="Courier New" panose="02070309020205020404" pitchFamily="49" charset="0"/>
-              </a:rPr>
-              <a:t> (C_CUSTKEY)</a:t>
-            </a:r>
-          </a:p>
-          <a:p>
-            <a:pPr marL="0" indent="0">
-              <a:buNone/>
-            </a:pPr>
-            <a:r>
-              <a:rPr lang="de-DE" sz="1600" dirty="0">
-                <a:solidFill>
-                  <a:srgbClr val="000000"/>
-                </a:solidFill>
-                <a:latin typeface="Courier New" panose="02070309020205020404" pitchFamily="49" charset="0"/>
-              </a:rPr>
-              <a:t>)</a:t>
-            </a:r>
-            <a:r>
-              <a:rPr lang="de-DE" sz="1600" dirty="0">
-                <a:solidFill>
-                  <a:srgbClr val="3F5FBF"/>
-                </a:solidFill>
-                <a:latin typeface="Courier New" panose="02070309020205020404" pitchFamily="49" charset="0"/>
-              </a:rPr>
-              <a:t>;</a:t>
-            </a:r>
+            <a:endParaRPr lang="de-DE"/>
           </a:p>
         </p:txBody>
       </p:sp>
@@ -23481,8 +24102,8 @@
         </p:blipFill>
         <p:spPr>
           <a:xfrm>
-            <a:off x="611560" y="1556792"/>
-            <a:ext cx="7560840" cy="1008112"/>
+            <a:off x="1095448" y="3660325"/>
+            <a:ext cx="5990156" cy="640170"/>
           </a:xfrm>
           <a:prstGeom prst="rect">
             <a:avLst/>
@@ -23511,8 +24132,8 @@
         </p:blipFill>
         <p:spPr>
           <a:xfrm>
-            <a:off x="755576" y="4459254"/>
-            <a:ext cx="6995344" cy="943124"/>
+            <a:off x="1095448" y="885008"/>
+            <a:ext cx="4991797" cy="518232"/>
           </a:xfrm>
           <a:prstGeom prst="rect">
             <a:avLst/>
@@ -23528,14 +24149,14 @@
           <p:nvPr>
             <p:extLst>
               <p:ext uri="{D42A27DB-BD31-4B8C-83A1-F6EECF244321}">
-                <p14:modId xmlns:p14="http://schemas.microsoft.com/office/powerpoint/2010/main" val="1337787313"/>
+                <p14:modId xmlns:p14="http://schemas.microsoft.com/office/powerpoint/2010/main" val="2973677479"/>
               </p:ext>
             </p:extLst>
           </p:nvPr>
         </p:nvGraphicFramePr>
         <p:xfrm>
-          <a:off x="908029" y="886578"/>
-          <a:ext cx="6364757" cy="2729284"/>
+          <a:off x="931271" y="1504553"/>
+          <a:ext cx="5320155" cy="2110374"/>
         </p:xfrm>
         <a:graphic>
           <a:graphicData uri="http://schemas.openxmlformats.org/drawingml/2006/chart">
@@ -23552,14 +24173,14 @@
           <p:nvPr>
             <p:extLst>
               <p:ext uri="{D42A27DB-BD31-4B8C-83A1-F6EECF244321}">
-                <p14:modId xmlns:p14="http://schemas.microsoft.com/office/powerpoint/2010/main" val="2935925830"/>
+                <p14:modId xmlns:p14="http://schemas.microsoft.com/office/powerpoint/2010/main" val="537388355"/>
               </p:ext>
             </p:extLst>
           </p:nvPr>
         </p:nvGraphicFramePr>
         <p:xfrm>
-          <a:off x="981013" y="3634413"/>
-          <a:ext cx="6291773" cy="2638506"/>
+          <a:off x="931271" y="4345893"/>
+          <a:ext cx="5320155" cy="2110374"/>
         </p:xfrm>
         <a:graphic>
           <a:graphicData uri="http://schemas.openxmlformats.org/drawingml/2006/chart">
@@ -23580,220 +24201,9 @@
   <p:timing>
     <p:tnLst>
       <p:par>
-        <p:cTn id="1" dur="indefinite" restart="never" nodeType="tmRoot">
-          <p:childTnLst>
-            <p:seq concurrent="1" nextAc="seek">
-              <p:cTn id="2" dur="indefinite" nodeType="mainSeq">
-                <p:childTnLst>
-                  <p:par>
-                    <p:cTn id="3" fill="hold">
-                      <p:stCondLst>
-                        <p:cond delay="indefinite"/>
-                      </p:stCondLst>
-                      <p:childTnLst>
-                        <p:par>
-                          <p:cTn id="4" fill="hold">
-                            <p:stCondLst>
-                              <p:cond delay="0"/>
-                            </p:stCondLst>
-                            <p:childTnLst>
-                              <p:par>
-                                <p:cTn id="5" presetID="1" presetClass="exit" presetSubtype="0" fill="hold" nodeType="clickEffect">
-                                  <p:stCondLst>
-                                    <p:cond delay="0"/>
-                                  </p:stCondLst>
-                                  <p:childTnLst>
-                                    <p:set>
-                                      <p:cBhvr>
-                                        <p:cTn id="6" dur="1" fill="hold">
-                                          <p:stCondLst>
-                                            <p:cond delay="0"/>
-                                          </p:stCondLst>
-                                        </p:cTn>
-                                        <p:tgtEl>
-                                          <p:spTgt spid="6"/>
-                                        </p:tgtEl>
-                                        <p:attrNameLst>
-                                          <p:attrName>style.visibility</p:attrName>
-                                        </p:attrNameLst>
-                                      </p:cBhvr>
-                                      <p:to>
-                                        <p:strVal val="hidden"/>
-                                      </p:to>
-                                    </p:set>
-                                  </p:childTnLst>
-                                </p:cTn>
-                              </p:par>
-                            </p:childTnLst>
-                          </p:cTn>
-                        </p:par>
-                      </p:childTnLst>
-                    </p:cTn>
-                  </p:par>
-                  <p:par>
-                    <p:cTn id="7" fill="hold">
-                      <p:stCondLst>
-                        <p:cond delay="indefinite"/>
-                      </p:stCondLst>
-                      <p:childTnLst>
-                        <p:par>
-                          <p:cTn id="8" fill="hold">
-                            <p:stCondLst>
-                              <p:cond delay="0"/>
-                            </p:stCondLst>
-                            <p:childTnLst>
-                              <p:par>
-                                <p:cTn id="9" presetID="1" presetClass="entr" presetSubtype="0" fill="hold" grpId="0" nodeType="clickEffect">
-                                  <p:stCondLst>
-                                    <p:cond delay="0"/>
-                                  </p:stCondLst>
-                                  <p:childTnLst>
-                                    <p:set>
-                                      <p:cBhvr>
-                                        <p:cTn id="10" dur="1" fill="hold">
-                                          <p:stCondLst>
-                                            <p:cond delay="0"/>
-                                          </p:stCondLst>
-                                        </p:cTn>
-                                        <p:tgtEl>
-                                          <p:spTgt spid="4"/>
-                                        </p:tgtEl>
-                                        <p:attrNameLst>
-                                          <p:attrName>style.visibility</p:attrName>
-                                        </p:attrNameLst>
-                                      </p:cBhvr>
-                                      <p:to>
-                                        <p:strVal val="visible"/>
-                                      </p:to>
-                                    </p:set>
-                                  </p:childTnLst>
-                                </p:cTn>
-                              </p:par>
-                            </p:childTnLst>
-                          </p:cTn>
-                        </p:par>
-                      </p:childTnLst>
-                    </p:cTn>
-                  </p:par>
-                  <p:par>
-                    <p:cTn id="11" fill="hold">
-                      <p:stCondLst>
-                        <p:cond delay="indefinite"/>
-                      </p:stCondLst>
-                      <p:childTnLst>
-                        <p:par>
-                          <p:cTn id="12" fill="hold">
-                            <p:stCondLst>
-                              <p:cond delay="0"/>
-                            </p:stCondLst>
-                            <p:childTnLst>
-                              <p:par>
-                                <p:cTn id="13" presetID="1" presetClass="exit" presetSubtype="0" fill="hold" nodeType="clickEffect">
-                                  <p:stCondLst>
-                                    <p:cond delay="0"/>
-                                  </p:stCondLst>
-                                  <p:childTnLst>
-                                    <p:set>
-                                      <p:cBhvr>
-                                        <p:cTn id="14" dur="1" fill="hold">
-                                          <p:stCondLst>
-                                            <p:cond delay="0"/>
-                                          </p:stCondLst>
-                                        </p:cTn>
-                                        <p:tgtEl>
-                                          <p:spTgt spid="7"/>
-                                        </p:tgtEl>
-                                        <p:attrNameLst>
-                                          <p:attrName>style.visibility</p:attrName>
-                                        </p:attrNameLst>
-                                      </p:cBhvr>
-                                      <p:to>
-                                        <p:strVal val="hidden"/>
-                                      </p:to>
-                                    </p:set>
-                                  </p:childTnLst>
-                                </p:cTn>
-                              </p:par>
-                            </p:childTnLst>
-                          </p:cTn>
-                        </p:par>
-                      </p:childTnLst>
-                    </p:cTn>
-                  </p:par>
-                  <p:par>
-                    <p:cTn id="15" fill="hold">
-                      <p:stCondLst>
-                        <p:cond delay="indefinite"/>
-                      </p:stCondLst>
-                      <p:childTnLst>
-                        <p:par>
-                          <p:cTn id="16" fill="hold">
-                            <p:stCondLst>
-                              <p:cond delay="0"/>
-                            </p:stCondLst>
-                            <p:childTnLst>
-                              <p:par>
-                                <p:cTn id="17" presetID="1" presetClass="entr" presetSubtype="0" fill="hold" grpId="0" nodeType="clickEffect">
-                                  <p:stCondLst>
-                                    <p:cond delay="0"/>
-                                  </p:stCondLst>
-                                  <p:childTnLst>
-                                    <p:set>
-                                      <p:cBhvr>
-                                        <p:cTn id="18" dur="1" fill="hold">
-                                          <p:stCondLst>
-                                            <p:cond delay="0"/>
-                                          </p:stCondLst>
-                                        </p:cTn>
-                                        <p:tgtEl>
-                                          <p:spTgt spid="5"/>
-                                        </p:tgtEl>
-                                        <p:attrNameLst>
-                                          <p:attrName>style.visibility</p:attrName>
-                                        </p:attrNameLst>
-                                      </p:cBhvr>
-                                      <p:to>
-                                        <p:strVal val="visible"/>
-                                      </p:to>
-                                    </p:set>
-                                  </p:childTnLst>
-                                </p:cTn>
-                              </p:par>
-                            </p:childTnLst>
-                          </p:cTn>
-                        </p:par>
-                      </p:childTnLst>
-                    </p:cTn>
-                  </p:par>
-                </p:childTnLst>
-              </p:cTn>
-              <p:prevCondLst>
-                <p:cond evt="onPrev" delay="0">
-                  <p:tgtEl>
-                    <p:sldTgt/>
-                  </p:tgtEl>
-                </p:cond>
-              </p:prevCondLst>
-              <p:nextCondLst>
-                <p:cond evt="onNext" delay="0">
-                  <p:tgtEl>
-                    <p:sldTgt/>
-                  </p:tgtEl>
-                </p:cond>
-              </p:nextCondLst>
-            </p:seq>
-          </p:childTnLst>
-        </p:cTn>
+        <p:cTn id="1" dur="indefinite" restart="never" nodeType="tmRoot"/>
       </p:par>
     </p:tnLst>
-    <p:bldLst>
-      <p:bldGraphic spid="4" grpId="0">
-        <p:bldAsOne/>
-      </p:bldGraphic>
-      <p:bldGraphic spid="5" grpId="0">
-        <p:bldAsOne/>
-      </p:bldGraphic>
-    </p:bldLst>
   </p:timing>
 </p:sld>
 </file>
@@ -23882,21 +24292,21 @@
                 <a:gridCol w="2398426">
                   <a:extLst>
                     <a:ext uri="{9D8B030D-6E8A-4147-A177-3AD203B41FA5}">
-                      <a16:colId xmlns="" xmlns:a16="http://schemas.microsoft.com/office/drawing/2014/main" val="20000"/>
+                      <a16:colId xmlns:a16="http://schemas.microsoft.com/office/drawing/2014/main" val="20000"/>
                     </a:ext>
                   </a:extLst>
                 </a:gridCol>
                 <a:gridCol w="3147935">
                   <a:extLst>
                     <a:ext uri="{9D8B030D-6E8A-4147-A177-3AD203B41FA5}">
-                      <a16:colId xmlns="" xmlns:a16="http://schemas.microsoft.com/office/drawing/2014/main" val="20001"/>
+                      <a16:colId xmlns:a16="http://schemas.microsoft.com/office/drawing/2014/main" val="20001"/>
                     </a:ext>
                   </a:extLst>
                 </a:gridCol>
                 <a:gridCol w="3597639">
                   <a:extLst>
                     <a:ext uri="{9D8B030D-6E8A-4147-A177-3AD203B41FA5}">
-                      <a16:colId xmlns="" xmlns:a16="http://schemas.microsoft.com/office/drawing/2014/main" val="20002"/>
+                      <a16:colId xmlns:a16="http://schemas.microsoft.com/office/drawing/2014/main" val="20002"/>
                     </a:ext>
                   </a:extLst>
                 </a:gridCol>
@@ -23943,7 +24353,7 @@
                 </a:tc>
                 <a:extLst>
                   <a:ext uri="{0D108BD9-81ED-4DB2-BD59-A6C34878D82A}">
-                    <a16:rowId xmlns="" xmlns:a16="http://schemas.microsoft.com/office/drawing/2014/main" val="10000"/>
+                    <a16:rowId xmlns:a16="http://schemas.microsoft.com/office/drawing/2014/main" val="10000"/>
                   </a:ext>
                 </a:extLst>
               </a:tr>
@@ -24294,7 +24704,7 @@
                 </a:tc>
                 <a:extLst>
                   <a:ext uri="{0D108BD9-81ED-4DB2-BD59-A6C34878D82A}">
-                    <a16:rowId xmlns="" xmlns:a16="http://schemas.microsoft.com/office/drawing/2014/main" val="10001"/>
+                    <a16:rowId xmlns:a16="http://schemas.microsoft.com/office/drawing/2014/main" val="10001"/>
                   </a:ext>
                 </a:extLst>
               </a:tr>
@@ -24597,7 +25007,7 @@
                 </a:tc>
                 <a:extLst>
                   <a:ext uri="{0D108BD9-81ED-4DB2-BD59-A6C34878D82A}">
-                    <a16:rowId xmlns="" xmlns:a16="http://schemas.microsoft.com/office/drawing/2014/main" val="10002"/>
+                    <a16:rowId xmlns:a16="http://schemas.microsoft.com/office/drawing/2014/main" val="10002"/>
                   </a:ext>
                 </a:extLst>
               </a:tr>
@@ -24709,21 +25119,21 @@
                 <a:gridCol w="2398426">
                   <a:extLst>
                     <a:ext uri="{9D8B030D-6E8A-4147-A177-3AD203B41FA5}">
-                      <a16:colId xmlns="" xmlns:a16="http://schemas.microsoft.com/office/drawing/2014/main" val="20000"/>
+                      <a16:colId xmlns:a16="http://schemas.microsoft.com/office/drawing/2014/main" val="20000"/>
                     </a:ext>
                   </a:extLst>
                 </a:gridCol>
                 <a:gridCol w="3147935">
                   <a:extLst>
                     <a:ext uri="{9D8B030D-6E8A-4147-A177-3AD203B41FA5}">
-                      <a16:colId xmlns="" xmlns:a16="http://schemas.microsoft.com/office/drawing/2014/main" val="20001"/>
+                      <a16:colId xmlns:a16="http://schemas.microsoft.com/office/drawing/2014/main" val="20001"/>
                     </a:ext>
                   </a:extLst>
                 </a:gridCol>
                 <a:gridCol w="3597639">
                   <a:extLst>
                     <a:ext uri="{9D8B030D-6E8A-4147-A177-3AD203B41FA5}">
-                      <a16:colId xmlns="" xmlns:a16="http://schemas.microsoft.com/office/drawing/2014/main" val="20002"/>
+                      <a16:colId xmlns:a16="http://schemas.microsoft.com/office/drawing/2014/main" val="20002"/>
                     </a:ext>
                   </a:extLst>
                 </a:gridCol>
@@ -24770,7 +25180,7 @@
                 </a:tc>
                 <a:extLst>
                   <a:ext uri="{0D108BD9-81ED-4DB2-BD59-A6C34878D82A}">
-                    <a16:rowId xmlns="" xmlns:a16="http://schemas.microsoft.com/office/drawing/2014/main" val="10000"/>
+                    <a16:rowId xmlns:a16="http://schemas.microsoft.com/office/drawing/2014/main" val="10000"/>
                   </a:ext>
                 </a:extLst>
               </a:tr>
@@ -24919,7 +25329,7 @@
                 </a:tc>
                 <a:extLst>
                   <a:ext uri="{0D108BD9-81ED-4DB2-BD59-A6C34878D82A}">
-                    <a16:rowId xmlns="" xmlns:a16="http://schemas.microsoft.com/office/drawing/2014/main" val="10003"/>
+                    <a16:rowId xmlns:a16="http://schemas.microsoft.com/office/drawing/2014/main" val="10003"/>
                   </a:ext>
                 </a:extLst>
               </a:tr>
@@ -25090,7 +25500,7 @@
                 </a:tc>
                 <a:extLst>
                   <a:ext uri="{0D108BD9-81ED-4DB2-BD59-A6C34878D82A}">
-                    <a16:rowId xmlns="" xmlns:a16="http://schemas.microsoft.com/office/drawing/2014/main" val="10004"/>
+                    <a16:rowId xmlns:a16="http://schemas.microsoft.com/office/drawing/2014/main" val="10004"/>
                   </a:ext>
                 </a:extLst>
               </a:tr>
@@ -25178,8 +25588,12 @@
               <a:buChar char="Ø"/>
             </a:pPr>
             <a:r>
+              <a:rPr lang="de-DE" sz="1800" b="1" dirty="0" smtClean="0"/>
+              <a:t>SAP HANA </a:t>
+            </a:r>
+            <a:r>
               <a:rPr lang="de-DE" sz="1800" dirty="0" smtClean="0"/>
-              <a:t>SAP HANA eignet sich vor allem für Aggregatfunktionen und ist hier auch am schnellsten. Insgesamt kann man SAP HANA vor allem für große unternehmen oder Unternehmen mit vielen Daten empfehlen, die schnell Berechnungen durchführen wollen</a:t>
+              <a:t>eignet sich vor allem für Aggregatfunktionen und ist hier auch am schnellsten. Insgesamt kann man SAP HANA vor allem für große unternehmen oder Unternehmen mit vielen Daten empfehlen, die schnell Berechnungen durchführen wollen</a:t>
             </a:r>
           </a:p>
           <a:p>
@@ -25188,8 +25602,12 @@
               <a:buChar char="Ø"/>
             </a:pPr>
             <a:r>
+              <a:rPr lang="de-DE" sz="1800" b="1" dirty="0" smtClean="0"/>
+              <a:t>MSSQL</a:t>
+            </a:r>
+            <a:r>
               <a:rPr lang="de-DE" sz="1800" dirty="0" smtClean="0"/>
-              <a:t>MSSQL ist ein guten Allrounder. Das System ist von allem am Robustesten und macht jede Abfrage ohne Probleme mit. Dafür ist es aber nicht immer am schnellsten. Auch die Oberfläche sowie die Installation überzeugen, da sie schon altbekannt sind und sehr einfach.</a:t>
+              <a:t> ist ein guten Allrounder. Das System ist von allem am Robustesten und macht jede Abfrage ohne Probleme mit. Dafür ist es aber nicht immer am schnellsten. Auch die Oberfläche sowie die Installation überzeugen, da sie schon altbekannt sind und sehr einfach.</a:t>
             </a:r>
           </a:p>
           <a:p>
@@ -25198,8 +25616,12 @@
               <a:buChar char="Ø"/>
             </a:pPr>
             <a:r>
+              <a:rPr lang="de-DE" sz="1800" b="1" dirty="0" smtClean="0"/>
+              <a:t>Cassandra</a:t>
+            </a:r>
+            <a:r>
               <a:rPr lang="de-DE" sz="1800" dirty="0" smtClean="0"/>
-              <a:t>Cassandra ist als Open-Source erhältlich, sehr einfach aufzusetzen und zu bedienen. Positiv ist die einfache Skalierbarkeit sowie das Umgehen mit großen Datenmengen jedoch wird für komplexere Anwendungen ein vertieftes Fachwissen in CQL benötigt. </a:t>
+              <a:t> ist als Open-Source erhältlich, sehr einfach aufzusetzen und zu bedienen. Positiv ist die einfache Skalierbarkeit sowie das Umgehen mit großen Datenmengen jedoch wird für komplexere Anwendungen ein vertieftes Fachwissen in CQL benötigt. </a:t>
             </a:r>
           </a:p>
           <a:p>
@@ -25208,8 +25630,12 @@
               <a:buChar char="Ø"/>
             </a:pPr>
             <a:r>
+              <a:rPr lang="de-DE" sz="1800" b="1" dirty="0" smtClean="0"/>
+              <a:t>Memcache</a:t>
+            </a:r>
+            <a:r>
               <a:rPr lang="de-DE" sz="1800" dirty="0" smtClean="0"/>
-              <a:t>Memcache eignet sich vor allem für Web-Unternehmen. Da </a:t>
+              <a:t> eignet sich vor allem für Web-Unternehmen. Da </a:t>
             </a:r>
             <a:r>
               <a:rPr lang="de-DE" sz="1800" dirty="0"/>
@@ -25692,7 +26118,7 @@
           <p:cNvPr id="4" name="Textfeld 3">
             <a:extLst>
               <a:ext uri="{FF2B5EF4-FFF2-40B4-BE49-F238E27FC236}">
-                <a16:creationId xmlns="" xmlns:a16="http://schemas.microsoft.com/office/drawing/2014/main" id="{55A35DED-7D1A-4C8F-934D-D5CD3FC3279C}"/>
+                <a16:creationId xmlns:a16="http://schemas.microsoft.com/office/drawing/2014/main" id="{55A35DED-7D1A-4C8F-934D-D5CD3FC3279C}"/>
               </a:ext>
             </a:extLst>
           </p:cNvPr>
@@ -26327,7 +26753,7 @@
           <p:cNvPr id="4" name="Textfeld 3">
             <a:extLst>
               <a:ext uri="{FF2B5EF4-FFF2-40B4-BE49-F238E27FC236}">
-                <a16:creationId xmlns="" xmlns:a16="http://schemas.microsoft.com/office/drawing/2014/main" id="{55A35DED-7D1A-4C8F-934D-D5CD3FC3279C}"/>
+                <a16:creationId xmlns:a16="http://schemas.microsoft.com/office/drawing/2014/main" id="{55A35DED-7D1A-4C8F-934D-D5CD3FC3279C}"/>
               </a:ext>
             </a:extLst>
           </p:cNvPr>
@@ -26758,7 +27184,7 @@
           <p:cNvPr id="4" name="Textfeld 3">
             <a:extLst>
               <a:ext uri="{FF2B5EF4-FFF2-40B4-BE49-F238E27FC236}">
-                <a16:creationId xmlns="" xmlns:a16="http://schemas.microsoft.com/office/drawing/2014/main" id="{55A35DED-7D1A-4C8F-934D-D5CD3FC3279C}"/>
+                <a16:creationId xmlns:a16="http://schemas.microsoft.com/office/drawing/2014/main" id="{55A35DED-7D1A-4C8F-934D-D5CD3FC3279C}"/>
               </a:ext>
             </a:extLst>
           </p:cNvPr>
